--- a/Örnekler-2.pptx
+++ b/Örnekler-2.pptx
@@ -5,10 +5,10 @@
     <p:sldMasterId id="2147483696" r:id="rId4"/>
   </p:sldMasterIdLst>
   <p:notesMasterIdLst>
-    <p:notesMasterId r:id="rId14"/>
+    <p:notesMasterId r:id="rId19"/>
   </p:notesMasterIdLst>
   <p:handoutMasterIdLst>
-    <p:handoutMasterId r:id="rId15"/>
+    <p:handoutMasterId r:id="rId20"/>
   </p:handoutMasterIdLst>
   <p:sldIdLst>
     <p:sldId id="306" r:id="rId5"/>
@@ -20,6 +20,11 @@
     <p:sldId id="451" r:id="rId11"/>
     <p:sldId id="452" r:id="rId12"/>
     <p:sldId id="453" r:id="rId13"/>
+    <p:sldId id="454" r:id="rId14"/>
+    <p:sldId id="455" r:id="rId15"/>
+    <p:sldId id="456" r:id="rId16"/>
+    <p:sldId id="457" r:id="rId17"/>
+    <p:sldId id="458" r:id="rId18"/>
   </p:sldIdLst>
   <p:sldSz cx="12192000" cy="6858000"/>
   <p:notesSz cx="6858000" cy="9144000"/>
@@ -245,7 +250,7 @@
           <a:p>
             <a:fld id="{AF536ADF-3EC2-4D6F-9F7F-1F88E3288139}" type="datetime1">
               <a:rPr lang="tr-TR" smtClean="0"/>
-              <a:t>17.12.2023</a:t>
+              <a:t>26.12.2023</a:t>
             </a:fld>
             <a:endParaRPr lang="tr-TR"/>
           </a:p>
@@ -425,7 +430,7 @@
             <a:pPr rtl="0"/>
             <a:fld id="{BA214D3A-912A-4866-90B4-0232CEDB2416}" type="datetime1">
               <a:rPr lang="tr-TR" noProof="0" smtClean="0"/>
-              <a:t>17.12.2023</a:t>
+              <a:t>26.12.2023</a:t>
             </a:fld>
             <a:endParaRPr lang="tr-TR" noProof="0"/>
           </a:p>
@@ -11639,6 +11644,1853 @@
 </p:sld>
 </file>
 
+<file path=ppt/slides/slide10.xml><?xml version="1.0" encoding="utf-8"?>
+<p:sld xmlns:a="http://schemas.openxmlformats.org/drawingml/2006/main" xmlns:r="http://schemas.openxmlformats.org/officeDocument/2006/relationships" xmlns:p="http://schemas.openxmlformats.org/presentationml/2006/main">
+  <p:cSld>
+    <p:spTree>
+      <p:nvGrpSpPr>
+        <p:cNvPr id="1" name=""/>
+        <p:cNvGrpSpPr/>
+        <p:nvPr/>
+      </p:nvGrpSpPr>
+      <p:grpSpPr>
+        <a:xfrm>
+          <a:off x="0" y="0"/>
+          <a:ext cx="0" cy="0"/>
+          <a:chOff x="0" y="0"/>
+          <a:chExt cx="0" cy="0"/>
+        </a:xfrm>
+      </p:grpSpPr>
+      <p:sp>
+        <p:nvSpPr>
+          <p:cNvPr id="3" name="İçerik Yer Tutucusu 2">
+            <a:extLst>
+              <a:ext uri="{FF2B5EF4-FFF2-40B4-BE49-F238E27FC236}">
+                <a16:creationId xmlns:a16="http://schemas.microsoft.com/office/drawing/2014/main" id="{166FF8F5-D0CB-68CC-5F86-1E602CE7B0A0}"/>
+              </a:ext>
+            </a:extLst>
+          </p:cNvPr>
+          <p:cNvSpPr>
+            <a:spLocks noGrp="1"/>
+          </p:cNvSpPr>
+          <p:nvPr>
+            <p:ph idx="1"/>
+          </p:nvPr>
+        </p:nvSpPr>
+        <p:spPr>
+          <a:xfrm>
+            <a:off x="838200" y="1046057"/>
+            <a:ext cx="10515600" cy="5675418"/>
+          </a:xfrm>
+        </p:spPr>
+        <p:txBody>
+          <a:bodyPr>
+            <a:normAutofit/>
+          </a:bodyPr>
+          <a:lstStyle/>
+          <a:p>
+            <a:pPr marL="0" indent="0" algn="ctr">
+              <a:lnSpc>
+                <a:spcPct val="100000"/>
+              </a:lnSpc>
+              <a:buNone/>
+            </a:pPr>
+            <a:r>
+              <a:rPr lang="tr-TR" sz="2400" b="1" dirty="0" smtClean="0"/>
+              <a:t>Örnek</a:t>
+            </a:r>
+            <a:endParaRPr lang="tr-TR" sz="2400" b="1" dirty="0" smtClean="0"/>
+          </a:p>
+          <a:p>
+            <a:pPr marL="0" indent="0" algn="ctr">
+              <a:lnSpc>
+                <a:spcPct val="100000"/>
+              </a:lnSpc>
+              <a:buNone/>
+            </a:pPr>
+            <a:r>
+              <a:rPr lang="tr-TR" sz="1800" b="1" dirty="0"/>
+              <a:t>Problem: Akıllı Ev Isıtma </a:t>
+            </a:r>
+            <a:r>
+              <a:rPr lang="tr-TR" sz="1800" b="1" dirty="0" smtClean="0"/>
+              <a:t>Sistemi</a:t>
+            </a:r>
+            <a:endParaRPr lang="tr-TR" sz="1800" dirty="0"/>
+          </a:p>
+          <a:p>
+            <a:pPr algn="just">
+              <a:lnSpc>
+                <a:spcPct val="150000"/>
+              </a:lnSpc>
+            </a:pPr>
+            <a:r>
+              <a:rPr lang="tr-TR" sz="2000" dirty="0"/>
+              <a:t>Bir akıllı ev ısıtma sistemi tasarlıyorsunuz. </a:t>
+            </a:r>
+            <a:endParaRPr lang="tr-TR" sz="2000" dirty="0" smtClean="0"/>
+          </a:p>
+          <a:p>
+            <a:pPr algn="just">
+              <a:lnSpc>
+                <a:spcPct val="150000"/>
+              </a:lnSpc>
+            </a:pPr>
+            <a:r>
+              <a:rPr lang="tr-TR" sz="2000" dirty="0" smtClean="0"/>
+              <a:t>İki </a:t>
+            </a:r>
+            <a:r>
+              <a:rPr lang="tr-TR" sz="2000" dirty="0"/>
+              <a:t>giriş değişkeni kullanacaksınız: </a:t>
+            </a:r>
+            <a:r>
+              <a:rPr lang="tr-TR" sz="2000" b="1" dirty="0">
+                <a:solidFill>
+                  <a:srgbClr val="0070C0"/>
+                </a:solidFill>
+              </a:rPr>
+              <a:t>dış hava sıcaklığı (</a:t>
+            </a:r>
+            <a:r>
+              <a:rPr lang="tr-TR" sz="2000" b="1" dirty="0" err="1">
+                <a:solidFill>
+                  <a:srgbClr val="0070C0"/>
+                </a:solidFill>
+              </a:rPr>
+              <a:t>Outside_Temperature</a:t>
+            </a:r>
+            <a:r>
+              <a:rPr lang="tr-TR" sz="2000" b="1" dirty="0">
+                <a:solidFill>
+                  <a:srgbClr val="0070C0"/>
+                </a:solidFill>
+              </a:rPr>
+              <a:t>) ve iç mekan sıcaklığı (</a:t>
+            </a:r>
+            <a:r>
+              <a:rPr lang="tr-TR" sz="2000" b="1" dirty="0" err="1">
+                <a:solidFill>
+                  <a:srgbClr val="0070C0"/>
+                </a:solidFill>
+              </a:rPr>
+              <a:t>Inside_Temperature</a:t>
+            </a:r>
+            <a:r>
+              <a:rPr lang="tr-TR" sz="2000" b="1" dirty="0">
+                <a:solidFill>
+                  <a:srgbClr val="0070C0"/>
+                </a:solidFill>
+              </a:rPr>
+              <a:t>).</a:t>
+            </a:r>
+            <a:r>
+              <a:rPr lang="tr-TR" sz="2000" dirty="0"/>
+              <a:t> </a:t>
+            </a:r>
+            <a:endParaRPr lang="tr-TR" sz="2000" dirty="0" smtClean="0"/>
+          </a:p>
+          <a:p>
+            <a:pPr algn="just">
+              <a:lnSpc>
+                <a:spcPct val="150000"/>
+              </a:lnSpc>
+            </a:pPr>
+            <a:r>
+              <a:rPr lang="tr-TR" sz="2000" dirty="0" smtClean="0"/>
+              <a:t>Çıkış </a:t>
+            </a:r>
+            <a:r>
+              <a:rPr lang="tr-TR" sz="2000" dirty="0"/>
+              <a:t>değişkeni olarak ise </a:t>
+            </a:r>
+            <a:r>
+              <a:rPr lang="tr-TR" sz="2000" b="1" dirty="0">
+                <a:solidFill>
+                  <a:srgbClr val="0070C0"/>
+                </a:solidFill>
+              </a:rPr>
+              <a:t>ısıtma sistemi gücü (</a:t>
+            </a:r>
+            <a:r>
+              <a:rPr lang="tr-TR" sz="2000" b="1" dirty="0" err="1">
+                <a:solidFill>
+                  <a:srgbClr val="0070C0"/>
+                </a:solidFill>
+              </a:rPr>
+              <a:t>Heating_Power</a:t>
+            </a:r>
+            <a:r>
+              <a:rPr lang="tr-TR" sz="2000" b="1" dirty="0">
+                <a:solidFill>
+                  <a:srgbClr val="0070C0"/>
+                </a:solidFill>
+              </a:rPr>
+              <a:t>) </a:t>
+            </a:r>
+            <a:r>
+              <a:rPr lang="tr-TR" sz="2000" dirty="0" smtClean="0"/>
+              <a:t>belirlenecektir.</a:t>
+            </a:r>
+            <a:endParaRPr lang="tr-TR" sz="1800" dirty="0"/>
+          </a:p>
+        </p:txBody>
+      </p:sp>
+      <p:sp>
+        <p:nvSpPr>
+          <p:cNvPr id="4" name="Slayt Numarası Yer Tutucusu 3">
+            <a:extLst>
+              <a:ext uri="{FF2B5EF4-FFF2-40B4-BE49-F238E27FC236}">
+                <a16:creationId xmlns:a16="http://schemas.microsoft.com/office/drawing/2014/main" id="{E35EC097-B662-DB9B-F23B-5BFB7F9441CB}"/>
+              </a:ext>
+            </a:extLst>
+          </p:cNvPr>
+          <p:cNvSpPr>
+            <a:spLocks noGrp="1"/>
+          </p:cNvSpPr>
+          <p:nvPr>
+            <p:ph type="sldNum" sz="quarter" idx="12"/>
+          </p:nvPr>
+        </p:nvSpPr>
+        <p:spPr/>
+        <p:txBody>
+          <a:bodyPr/>
+          <a:lstStyle/>
+          <a:p>
+            <a:pPr rtl="0"/>
+            <a:fld id="{D8DA9DAA-006C-4F4B-980E-E3DF019B24E2}" type="slidenum">
+              <a:rPr lang="tr-TR" noProof="0" smtClean="0"/>
+              <a:t>10</a:t>
+            </a:fld>
+            <a:endParaRPr lang="tr-TR" noProof="0"/>
+          </a:p>
+        </p:txBody>
+      </p:sp>
+      <p:sp>
+        <p:nvSpPr>
+          <p:cNvPr id="6" name="Başlık 3">
+            <a:extLst>
+              <a:ext uri="{FF2B5EF4-FFF2-40B4-BE49-F238E27FC236}">
+                <a16:creationId xmlns:a16="http://schemas.microsoft.com/office/drawing/2014/main" id="{DD422265-2268-31AF-C9C2-EEA17AAF77FB}"/>
+              </a:ext>
+            </a:extLst>
+          </p:cNvPr>
+          <p:cNvSpPr>
+            <a:spLocks noGrp="1"/>
+          </p:cNvSpPr>
+          <p:nvPr>
+            <p:ph type="title"/>
+          </p:nvPr>
+        </p:nvSpPr>
+        <p:spPr>
+          <a:xfrm>
+            <a:off x="838199" y="435236"/>
+            <a:ext cx="10882745" cy="610821"/>
+          </a:xfrm>
+        </p:spPr>
+        <p:txBody>
+          <a:bodyPr rtlCol="0">
+            <a:noAutofit/>
+          </a:bodyPr>
+          <a:lstStyle/>
+          <a:p>
+            <a:r>
+              <a:rPr lang="tr-TR" sz="2800" dirty="0" smtClean="0"/>
+              <a:t>SIMPFUL KÜTÜPHANESİ-</a:t>
+            </a:r>
+            <a:r>
+              <a:rPr lang="tr-TR" sz="2800" dirty="0" err="1" smtClean="0"/>
+              <a:t>Sugeno</a:t>
+            </a:r>
+            <a:r>
+              <a:rPr lang="tr-TR" sz="2800" dirty="0" smtClean="0"/>
+              <a:t> </a:t>
+            </a:r>
+            <a:r>
+              <a:rPr lang="tr-TR" sz="2800" dirty="0" smtClean="0"/>
+              <a:t>Örnek-&gt;</a:t>
+            </a:r>
+            <a:r>
+              <a:rPr lang="tr-TR" sz="2000" dirty="0" smtClean="0">
+                <a:solidFill>
+                  <a:schemeClr val="accent2">
+                    <a:lumMod val="75000"/>
+                  </a:schemeClr>
+                </a:solidFill>
+              </a:rPr>
+              <a:t>Ornek7_simpfullibrary_sugeno.py</a:t>
+            </a:r>
+            <a:endParaRPr lang="tr-TR" sz="2000" dirty="0">
+              <a:solidFill>
+                <a:schemeClr val="accent2">
+                  <a:lumMod val="75000"/>
+                </a:schemeClr>
+              </a:solidFill>
+            </a:endParaRPr>
+          </a:p>
+        </p:txBody>
+      </p:sp>
+    </p:spTree>
+    <p:extLst>
+      <p:ext uri="{BB962C8B-B14F-4D97-AF65-F5344CB8AC3E}">
+        <p14:creationId xmlns:p14="http://schemas.microsoft.com/office/powerpoint/2010/main" val="330252415"/>
+      </p:ext>
+    </p:extLst>
+  </p:cSld>
+  <p:clrMapOvr>
+    <a:masterClrMapping/>
+  </p:clrMapOvr>
+  <p:timing>
+    <p:tnLst>
+      <p:par>
+        <p:cTn id="1" dur="indefinite" restart="never" nodeType="tmRoot"/>
+      </p:par>
+    </p:tnLst>
+  </p:timing>
+</p:sld>
+</file>
+
+<file path=ppt/slides/slide11.xml><?xml version="1.0" encoding="utf-8"?>
+<p:sld xmlns:a="http://schemas.openxmlformats.org/drawingml/2006/main" xmlns:r="http://schemas.openxmlformats.org/officeDocument/2006/relationships" xmlns:p="http://schemas.openxmlformats.org/presentationml/2006/main">
+  <p:cSld>
+    <p:spTree>
+      <p:nvGrpSpPr>
+        <p:cNvPr id="1" name=""/>
+        <p:cNvGrpSpPr/>
+        <p:nvPr/>
+      </p:nvGrpSpPr>
+      <p:grpSpPr>
+        <a:xfrm>
+          <a:off x="0" y="0"/>
+          <a:ext cx="0" cy="0"/>
+          <a:chOff x="0" y="0"/>
+          <a:chExt cx="0" cy="0"/>
+        </a:xfrm>
+      </p:grpSpPr>
+      <p:sp>
+        <p:nvSpPr>
+          <p:cNvPr id="3" name="İçerik Yer Tutucusu 2">
+            <a:extLst>
+              <a:ext uri="{FF2B5EF4-FFF2-40B4-BE49-F238E27FC236}">
+                <a16:creationId xmlns:a16="http://schemas.microsoft.com/office/drawing/2014/main" id="{166FF8F5-D0CB-68CC-5F86-1E602CE7B0A0}"/>
+              </a:ext>
+            </a:extLst>
+          </p:cNvPr>
+          <p:cNvSpPr>
+            <a:spLocks noGrp="1"/>
+          </p:cNvSpPr>
+          <p:nvPr>
+            <p:ph idx="1"/>
+          </p:nvPr>
+        </p:nvSpPr>
+        <p:spPr>
+          <a:xfrm>
+            <a:off x="838200" y="1046057"/>
+            <a:ext cx="10515600" cy="5675418"/>
+          </a:xfrm>
+        </p:spPr>
+        <p:txBody>
+          <a:bodyPr>
+            <a:normAutofit lnSpcReduction="10000"/>
+          </a:bodyPr>
+          <a:lstStyle/>
+          <a:p>
+            <a:pPr marL="0" indent="0" algn="ctr">
+              <a:lnSpc>
+                <a:spcPct val="150000"/>
+              </a:lnSpc>
+              <a:spcBef>
+                <a:spcPts val="0"/>
+              </a:spcBef>
+              <a:buNone/>
+            </a:pPr>
+            <a:r>
+              <a:rPr lang="tr-TR" sz="2000" b="1" dirty="0"/>
+              <a:t>Bulanık </a:t>
+            </a:r>
+            <a:r>
+              <a:rPr lang="tr-TR" sz="2000" b="1" dirty="0" smtClean="0"/>
+              <a:t>Kümeler</a:t>
+            </a:r>
+            <a:endParaRPr lang="tr-TR" sz="2000" dirty="0"/>
+          </a:p>
+          <a:p>
+            <a:pPr>
+              <a:lnSpc>
+                <a:spcPct val="150000"/>
+              </a:lnSpc>
+              <a:spcBef>
+                <a:spcPts val="0"/>
+              </a:spcBef>
+            </a:pPr>
+            <a:r>
+              <a:rPr lang="tr-TR" sz="2000" b="1" dirty="0"/>
+              <a:t>Dış Hava Sıcaklığı (</a:t>
+            </a:r>
+            <a:r>
+              <a:rPr lang="tr-TR" sz="2000" b="1" dirty="0" err="1"/>
+              <a:t>Outside_Temperature</a:t>
+            </a:r>
+            <a:r>
+              <a:rPr lang="tr-TR" sz="2000" b="1" dirty="0"/>
+              <a:t>):</a:t>
+            </a:r>
+            <a:endParaRPr lang="tr-TR" sz="2000" dirty="0"/>
+          </a:p>
+          <a:p>
+            <a:pPr lvl="1">
+              <a:lnSpc>
+                <a:spcPct val="150000"/>
+              </a:lnSpc>
+              <a:spcBef>
+                <a:spcPts val="0"/>
+              </a:spcBef>
+            </a:pPr>
+            <a:r>
+              <a:rPr lang="tr-TR" sz="2000" dirty="0" smtClean="0"/>
+              <a:t>Soğuk: </a:t>
+            </a:r>
+            <a:r>
+              <a:rPr lang="tr-TR" sz="2000" dirty="0"/>
+              <a:t>Üçgen üyelik fonksiyonu </a:t>
+            </a:r>
+            <a:r>
+              <a:rPr lang="tr-TR" sz="2000" dirty="0"/>
+              <a:t>:</a:t>
+            </a:r>
+            <a:r>
+              <a:rPr lang="tr-TR" sz="2000" dirty="0" smtClean="0"/>
+              <a:t>[0,10]</a:t>
+            </a:r>
+            <a:endParaRPr lang="tr-TR" sz="2000" dirty="0"/>
+          </a:p>
+          <a:p>
+            <a:pPr lvl="1">
+              <a:lnSpc>
+                <a:spcPct val="150000"/>
+              </a:lnSpc>
+              <a:spcBef>
+                <a:spcPts val="0"/>
+              </a:spcBef>
+            </a:pPr>
+            <a:r>
+              <a:rPr lang="tr-TR" sz="2000" dirty="0" smtClean="0"/>
+              <a:t>Ilıman: </a:t>
+            </a:r>
+            <a:r>
+              <a:rPr lang="tr-TR" sz="2000" dirty="0"/>
+              <a:t>Üçgen üyelik fonksiyonu </a:t>
+            </a:r>
+            <a:r>
+              <a:rPr lang="tr-TR" sz="2000" dirty="0" smtClean="0"/>
+              <a:t>:[5,20,35]</a:t>
+            </a:r>
+            <a:endParaRPr lang="tr-TR" sz="2000" dirty="0"/>
+          </a:p>
+          <a:p>
+            <a:pPr lvl="1">
+              <a:lnSpc>
+                <a:spcPct val="150000"/>
+              </a:lnSpc>
+              <a:spcBef>
+                <a:spcPts val="0"/>
+              </a:spcBef>
+            </a:pPr>
+            <a:r>
+              <a:rPr lang="tr-TR" sz="2000" dirty="0" smtClean="0"/>
+              <a:t>Sıcak: </a:t>
+            </a:r>
+            <a:r>
+              <a:rPr lang="tr-TR" sz="2000" dirty="0"/>
+              <a:t>Üçgen üyelik fonksiyonu </a:t>
+            </a:r>
+            <a:r>
+              <a:rPr lang="tr-TR" sz="2000" dirty="0" smtClean="0"/>
+              <a:t>:[25,40]</a:t>
+            </a:r>
+            <a:endParaRPr lang="tr-TR" sz="2000" dirty="0"/>
+          </a:p>
+          <a:p>
+            <a:pPr>
+              <a:lnSpc>
+                <a:spcPct val="150000"/>
+              </a:lnSpc>
+              <a:spcBef>
+                <a:spcPts val="0"/>
+              </a:spcBef>
+            </a:pPr>
+            <a:r>
+              <a:rPr lang="tr-TR" sz="2000" b="1" dirty="0"/>
+              <a:t>İç Mekan Sıcaklığı (</a:t>
+            </a:r>
+            <a:r>
+              <a:rPr lang="tr-TR" sz="2000" b="1" dirty="0" err="1"/>
+              <a:t>Inside_Temperature</a:t>
+            </a:r>
+            <a:r>
+              <a:rPr lang="tr-TR" sz="2000" b="1" dirty="0"/>
+              <a:t>):</a:t>
+            </a:r>
+            <a:endParaRPr lang="tr-TR" sz="2000" dirty="0"/>
+          </a:p>
+          <a:p>
+            <a:pPr lvl="1">
+              <a:lnSpc>
+                <a:spcPct val="150000"/>
+              </a:lnSpc>
+              <a:spcBef>
+                <a:spcPts val="0"/>
+              </a:spcBef>
+            </a:pPr>
+            <a:r>
+              <a:rPr lang="tr-TR" sz="2000" dirty="0" smtClean="0"/>
+              <a:t>Soğuk: </a:t>
+            </a:r>
+            <a:r>
+              <a:rPr lang="tr-TR" sz="2000" dirty="0"/>
+              <a:t>Üçgen üyelik </a:t>
+            </a:r>
+            <a:r>
+              <a:rPr lang="tr-TR" sz="2000" dirty="0" smtClean="0"/>
+              <a:t>fonksiyonu:[</a:t>
+            </a:r>
+            <a:r>
+              <a:rPr lang="tr-TR" sz="2000" dirty="0"/>
+              <a:t>0,12]</a:t>
+            </a:r>
+          </a:p>
+          <a:p>
+            <a:pPr lvl="1">
+              <a:lnSpc>
+                <a:spcPct val="150000"/>
+              </a:lnSpc>
+              <a:spcBef>
+                <a:spcPts val="0"/>
+              </a:spcBef>
+            </a:pPr>
+            <a:r>
+              <a:rPr lang="tr-TR" sz="2000" dirty="0" smtClean="0"/>
+              <a:t>Normal: </a:t>
+            </a:r>
+            <a:r>
+              <a:rPr lang="tr-TR" sz="2000" dirty="0"/>
+              <a:t>Üçgen üyelik </a:t>
+            </a:r>
+            <a:r>
+              <a:rPr lang="tr-TR" sz="2000" dirty="0" smtClean="0"/>
+              <a:t>fonksiyonu:[10,25,40]</a:t>
+            </a:r>
+            <a:endParaRPr lang="tr-TR" sz="2000" dirty="0"/>
+          </a:p>
+          <a:p>
+            <a:pPr lvl="1">
+              <a:lnSpc>
+                <a:spcPct val="150000"/>
+              </a:lnSpc>
+              <a:spcBef>
+                <a:spcPts val="0"/>
+              </a:spcBef>
+            </a:pPr>
+            <a:r>
+              <a:rPr lang="tr-TR" sz="2000" dirty="0" smtClean="0"/>
+              <a:t>Sıcak: </a:t>
+            </a:r>
+            <a:r>
+              <a:rPr lang="tr-TR" sz="2000" dirty="0"/>
+              <a:t>Üçgen üyelik </a:t>
+            </a:r>
+            <a:r>
+              <a:rPr lang="tr-TR" sz="2000" dirty="0" smtClean="0"/>
+              <a:t>fonksiyonu:[</a:t>
+            </a:r>
+            <a:r>
+              <a:rPr lang="tr-TR" sz="2000" dirty="0"/>
+              <a:t>30,45]</a:t>
+            </a:r>
+          </a:p>
+          <a:p>
+            <a:pPr>
+              <a:lnSpc>
+                <a:spcPct val="150000"/>
+              </a:lnSpc>
+              <a:spcBef>
+                <a:spcPts val="0"/>
+              </a:spcBef>
+            </a:pPr>
+            <a:r>
+              <a:rPr lang="tr-TR" sz="2000" b="1" dirty="0"/>
+              <a:t>Isıtma Sistemi Gücü (</a:t>
+            </a:r>
+            <a:r>
+              <a:rPr lang="tr-TR" sz="2000" b="1" dirty="0" err="1"/>
+              <a:t>Heating_Power</a:t>
+            </a:r>
+            <a:r>
+              <a:rPr lang="tr-TR" sz="2000" b="1" dirty="0"/>
+              <a:t>):</a:t>
+            </a:r>
+            <a:endParaRPr lang="tr-TR" sz="2000" dirty="0"/>
+          </a:p>
+          <a:p>
+            <a:pPr lvl="1">
+              <a:lnSpc>
+                <a:spcPct val="150000"/>
+              </a:lnSpc>
+              <a:spcBef>
+                <a:spcPts val="0"/>
+              </a:spcBef>
+            </a:pPr>
+            <a:r>
+              <a:rPr lang="tr-TR" sz="2000" dirty="0"/>
+              <a:t>DÜŞÜK: Üçgen üyelik fonksiyonu - [0,20,40</a:t>
+            </a:r>
+            <a:r>
+              <a:rPr lang="tr-TR" sz="2000" dirty="0" smtClean="0"/>
+              <a:t>]</a:t>
+            </a:r>
+            <a:endParaRPr lang="tr-TR" sz="2000" dirty="0"/>
+          </a:p>
+          <a:p>
+            <a:pPr lvl="1">
+              <a:lnSpc>
+                <a:spcPct val="150000"/>
+              </a:lnSpc>
+              <a:spcBef>
+                <a:spcPts val="0"/>
+              </a:spcBef>
+            </a:pPr>
+            <a:r>
+              <a:rPr lang="tr-TR" sz="2000" dirty="0"/>
+              <a:t>ORTA: Üçgen üyelik fonksiyonu - [30,50,70</a:t>
+            </a:r>
+            <a:r>
+              <a:rPr lang="tr-TR" sz="2000" dirty="0" smtClean="0"/>
+              <a:t>]</a:t>
+            </a:r>
+            <a:endParaRPr lang="tr-TR" sz="2000" dirty="0"/>
+          </a:p>
+          <a:p>
+            <a:pPr lvl="1">
+              <a:lnSpc>
+                <a:spcPct val="150000"/>
+              </a:lnSpc>
+              <a:spcBef>
+                <a:spcPts val="0"/>
+              </a:spcBef>
+            </a:pPr>
+            <a:r>
+              <a:rPr lang="tr-TR" sz="2000" dirty="0"/>
+              <a:t>YÜKSEK: Üçgen üyelik fonksiyonu - [60,80,100</a:t>
+            </a:r>
+            <a:r>
+              <a:rPr lang="tr-TR" sz="2000" dirty="0" smtClean="0"/>
+              <a:t>]</a:t>
+            </a:r>
+            <a:endParaRPr lang="tr-TR" sz="2000" dirty="0"/>
+          </a:p>
+        </p:txBody>
+      </p:sp>
+      <p:sp>
+        <p:nvSpPr>
+          <p:cNvPr id="4" name="Slayt Numarası Yer Tutucusu 3">
+            <a:extLst>
+              <a:ext uri="{FF2B5EF4-FFF2-40B4-BE49-F238E27FC236}">
+                <a16:creationId xmlns:a16="http://schemas.microsoft.com/office/drawing/2014/main" id="{E35EC097-B662-DB9B-F23B-5BFB7F9441CB}"/>
+              </a:ext>
+            </a:extLst>
+          </p:cNvPr>
+          <p:cNvSpPr>
+            <a:spLocks noGrp="1"/>
+          </p:cNvSpPr>
+          <p:nvPr>
+            <p:ph type="sldNum" sz="quarter" idx="12"/>
+          </p:nvPr>
+        </p:nvSpPr>
+        <p:spPr/>
+        <p:txBody>
+          <a:bodyPr/>
+          <a:lstStyle/>
+          <a:p>
+            <a:pPr rtl="0"/>
+            <a:fld id="{D8DA9DAA-006C-4F4B-980E-E3DF019B24E2}" type="slidenum">
+              <a:rPr lang="tr-TR" noProof="0" smtClean="0"/>
+              <a:t>11</a:t>
+            </a:fld>
+            <a:endParaRPr lang="tr-TR" noProof="0" dirty="0"/>
+          </a:p>
+        </p:txBody>
+      </p:sp>
+      <p:sp>
+        <p:nvSpPr>
+          <p:cNvPr id="6" name="Başlık 3">
+            <a:extLst>
+              <a:ext uri="{FF2B5EF4-FFF2-40B4-BE49-F238E27FC236}">
+                <a16:creationId xmlns:a16="http://schemas.microsoft.com/office/drawing/2014/main" id="{DD422265-2268-31AF-C9C2-EEA17AAF77FB}"/>
+              </a:ext>
+            </a:extLst>
+          </p:cNvPr>
+          <p:cNvSpPr>
+            <a:spLocks noGrp="1"/>
+          </p:cNvSpPr>
+          <p:nvPr>
+            <p:ph type="title"/>
+          </p:nvPr>
+        </p:nvSpPr>
+        <p:spPr>
+          <a:xfrm>
+            <a:off x="838199" y="435236"/>
+            <a:ext cx="10882745" cy="610821"/>
+          </a:xfrm>
+        </p:spPr>
+        <p:txBody>
+          <a:bodyPr rtlCol="0">
+            <a:noAutofit/>
+          </a:bodyPr>
+          <a:lstStyle/>
+          <a:p>
+            <a:r>
+              <a:rPr lang="tr-TR" sz="2800" dirty="0" smtClean="0"/>
+              <a:t>SIMPFUL KÜTÜPHANESİ-</a:t>
+            </a:r>
+            <a:r>
+              <a:rPr lang="tr-TR" sz="2800" dirty="0" err="1" smtClean="0"/>
+              <a:t>Sugeno</a:t>
+            </a:r>
+            <a:r>
+              <a:rPr lang="tr-TR" sz="2800" dirty="0" smtClean="0"/>
+              <a:t> </a:t>
+            </a:r>
+            <a:r>
+              <a:rPr lang="tr-TR" sz="2800" dirty="0" smtClean="0"/>
+              <a:t>Örnek</a:t>
+            </a:r>
+            <a:endParaRPr lang="tr-TR" sz="2000" dirty="0">
+              <a:solidFill>
+                <a:schemeClr val="accent2">
+                  <a:lumMod val="75000"/>
+                </a:schemeClr>
+              </a:solidFill>
+            </a:endParaRPr>
+          </a:p>
+        </p:txBody>
+      </p:sp>
+    </p:spTree>
+    <p:extLst>
+      <p:ext uri="{BB962C8B-B14F-4D97-AF65-F5344CB8AC3E}">
+        <p14:creationId xmlns:p14="http://schemas.microsoft.com/office/powerpoint/2010/main" val="3919052518"/>
+      </p:ext>
+    </p:extLst>
+  </p:cSld>
+  <p:clrMapOvr>
+    <a:masterClrMapping/>
+  </p:clrMapOvr>
+  <p:timing>
+    <p:tnLst>
+      <p:par>
+        <p:cTn id="1" dur="indefinite" restart="never" nodeType="tmRoot"/>
+      </p:par>
+    </p:tnLst>
+  </p:timing>
+</p:sld>
+</file>
+
+<file path=ppt/slides/slide12.xml><?xml version="1.0" encoding="utf-8"?>
+<p:sld xmlns:a="http://schemas.openxmlformats.org/drawingml/2006/main" xmlns:r="http://schemas.openxmlformats.org/officeDocument/2006/relationships" xmlns:p="http://schemas.openxmlformats.org/presentationml/2006/main">
+  <p:cSld>
+    <p:spTree>
+      <p:nvGrpSpPr>
+        <p:cNvPr id="1" name=""/>
+        <p:cNvGrpSpPr/>
+        <p:nvPr/>
+      </p:nvGrpSpPr>
+      <p:grpSpPr>
+        <a:xfrm>
+          <a:off x="0" y="0"/>
+          <a:ext cx="0" cy="0"/>
+          <a:chOff x="0" y="0"/>
+          <a:chExt cx="0" cy="0"/>
+        </a:xfrm>
+      </p:grpSpPr>
+      <p:sp>
+        <p:nvSpPr>
+          <p:cNvPr id="3" name="İçerik Yer Tutucusu 2">
+            <a:extLst>
+              <a:ext uri="{FF2B5EF4-FFF2-40B4-BE49-F238E27FC236}">
+                <a16:creationId xmlns:a16="http://schemas.microsoft.com/office/drawing/2014/main" id="{166FF8F5-D0CB-68CC-5F86-1E602CE7B0A0}"/>
+              </a:ext>
+            </a:extLst>
+          </p:cNvPr>
+          <p:cNvSpPr>
+            <a:spLocks noGrp="1"/>
+          </p:cNvSpPr>
+          <p:nvPr>
+            <p:ph idx="1"/>
+          </p:nvPr>
+        </p:nvSpPr>
+        <p:spPr>
+          <a:xfrm>
+            <a:off x="838200" y="1046057"/>
+            <a:ext cx="10515600" cy="5675418"/>
+          </a:xfrm>
+        </p:spPr>
+        <p:txBody>
+          <a:bodyPr>
+            <a:normAutofit/>
+          </a:bodyPr>
+          <a:lstStyle/>
+          <a:p>
+            <a:pPr marL="0" indent="0" algn="ctr">
+              <a:lnSpc>
+                <a:spcPct val="150000"/>
+              </a:lnSpc>
+              <a:spcBef>
+                <a:spcPts val="0"/>
+              </a:spcBef>
+              <a:buNone/>
+            </a:pPr>
+            <a:r>
+              <a:rPr lang="tr-TR" sz="2000" b="1" dirty="0"/>
+              <a:t>Bulanık </a:t>
+            </a:r>
+            <a:r>
+              <a:rPr lang="tr-TR" sz="2000" b="1" dirty="0" smtClean="0"/>
+              <a:t>Kümeler</a:t>
+            </a:r>
+            <a:endParaRPr lang="tr-TR" sz="2000" dirty="0"/>
+          </a:p>
+          <a:p>
+            <a:pPr marL="0" indent="0" algn="ctr">
+              <a:lnSpc>
+                <a:spcPct val="150000"/>
+              </a:lnSpc>
+              <a:spcBef>
+                <a:spcPts val="0"/>
+              </a:spcBef>
+              <a:buNone/>
+            </a:pPr>
+            <a:r>
+              <a:rPr lang="tr-TR" sz="2000" b="1" u="sng" dirty="0" smtClean="0">
+                <a:solidFill>
+                  <a:srgbClr val="0070C0"/>
+                </a:solidFill>
+              </a:rPr>
+              <a:t>Kurallar</a:t>
+            </a:r>
+            <a:endParaRPr lang="tr-TR" sz="2000" b="1" u="sng" dirty="0">
+              <a:solidFill>
+                <a:srgbClr val="0070C0"/>
+              </a:solidFill>
+            </a:endParaRPr>
+          </a:p>
+          <a:p>
+            <a:pPr>
+              <a:lnSpc>
+                <a:spcPct val="150000"/>
+              </a:lnSpc>
+              <a:spcBef>
+                <a:spcPts val="0"/>
+              </a:spcBef>
+            </a:pPr>
+            <a:r>
+              <a:rPr lang="tr-TR" sz="2000" dirty="0"/>
+              <a:t>Eğer dış hava sıcaklığı </a:t>
+            </a:r>
+            <a:r>
+              <a:rPr lang="tr-TR" sz="2000" dirty="0" smtClean="0"/>
+              <a:t>SOĞUK </a:t>
+            </a:r>
+            <a:r>
+              <a:rPr lang="tr-TR" sz="2000" dirty="0"/>
+              <a:t>VE iç mekan sıcaklığı </a:t>
+            </a:r>
+            <a:r>
+              <a:rPr lang="tr-TR" sz="2000" dirty="0" smtClean="0"/>
+              <a:t>SOĞUKSA, </a:t>
+            </a:r>
+            <a:r>
+              <a:rPr lang="tr-TR" sz="2000" dirty="0"/>
+              <a:t>o zaman ısıtma sistemi gücü </a:t>
+            </a:r>
+            <a:r>
+              <a:rPr lang="tr-TR" sz="2000" dirty="0" smtClean="0"/>
+              <a:t>Yüksek </a:t>
+            </a:r>
+            <a:r>
+              <a:rPr lang="tr-TR" sz="2000" dirty="0"/>
+              <a:t>olmalıdır.</a:t>
+            </a:r>
+          </a:p>
+          <a:p>
+            <a:pPr>
+              <a:lnSpc>
+                <a:spcPct val="150000"/>
+              </a:lnSpc>
+              <a:spcBef>
+                <a:spcPts val="0"/>
+              </a:spcBef>
+            </a:pPr>
+            <a:r>
+              <a:rPr lang="tr-TR" sz="2000" dirty="0"/>
+              <a:t>Eğer dış hava sıcaklığı </a:t>
+            </a:r>
+            <a:r>
+              <a:rPr lang="tr-TR" sz="2000" dirty="0" smtClean="0"/>
+              <a:t>ILIMAN </a:t>
+            </a:r>
+            <a:r>
+              <a:rPr lang="tr-TR" sz="2000" dirty="0"/>
+              <a:t>seviyede VE iç mekan sıcaklığı </a:t>
+            </a:r>
+            <a:r>
+              <a:rPr lang="tr-TR" sz="2000" dirty="0" smtClean="0"/>
+              <a:t>NORMAL </a:t>
+            </a:r>
+            <a:r>
+              <a:rPr lang="tr-TR" sz="2000" dirty="0"/>
+              <a:t>seviyede, o zaman ısıtma sistemi gücü </a:t>
+            </a:r>
+            <a:r>
+              <a:rPr lang="tr-TR" sz="2000" dirty="0" smtClean="0"/>
+              <a:t>Orta </a:t>
+            </a:r>
+            <a:r>
+              <a:rPr lang="tr-TR" sz="2000" dirty="0"/>
+              <a:t>seviyede olmalıdır.</a:t>
+            </a:r>
+          </a:p>
+          <a:p>
+            <a:pPr>
+              <a:lnSpc>
+                <a:spcPct val="150000"/>
+              </a:lnSpc>
+              <a:spcBef>
+                <a:spcPts val="0"/>
+              </a:spcBef>
+            </a:pPr>
+            <a:r>
+              <a:rPr lang="tr-TR" sz="2000" dirty="0"/>
+              <a:t>Eğer dış hava </a:t>
+            </a:r>
+            <a:r>
+              <a:rPr lang="tr-TR" sz="2000" dirty="0" smtClean="0"/>
+              <a:t>SICAK </a:t>
+            </a:r>
+            <a:r>
+              <a:rPr lang="tr-TR" sz="2000" dirty="0"/>
+              <a:t>yüksekse VE iç mekan sıcaklığı </a:t>
+            </a:r>
+            <a:r>
+              <a:rPr lang="tr-TR" sz="2000" dirty="0" smtClean="0"/>
+              <a:t>SICAKSA, </a:t>
+            </a:r>
+            <a:r>
+              <a:rPr lang="tr-TR" sz="2000" dirty="0"/>
+              <a:t>o zaman ısıtma sistemi gücü </a:t>
+            </a:r>
+            <a:r>
+              <a:rPr lang="tr-TR" sz="2000" dirty="0" smtClean="0"/>
+              <a:t>DÜŞÜK </a:t>
+            </a:r>
+            <a:r>
+              <a:rPr lang="tr-TR" sz="2000" dirty="0"/>
+              <a:t>olmalıdır</a:t>
+            </a:r>
+            <a:r>
+              <a:rPr lang="tr-TR" sz="2000" dirty="0" smtClean="0"/>
+              <a:t>.</a:t>
+            </a:r>
+          </a:p>
+          <a:p>
+            <a:pPr marL="0" indent="0" algn="ctr">
+              <a:buNone/>
+            </a:pPr>
+            <a:r>
+              <a:rPr lang="tr-TR" sz="2200" b="1" u="sng" dirty="0" smtClean="0">
+                <a:solidFill>
+                  <a:srgbClr val="0070C0"/>
+                </a:solidFill>
+              </a:rPr>
+              <a:t>Çıkış Değerleri </a:t>
+            </a:r>
+            <a:endParaRPr lang="tr-TR" sz="2200" b="1" u="sng" dirty="0">
+              <a:solidFill>
+                <a:srgbClr val="0070C0"/>
+              </a:solidFill>
+            </a:endParaRPr>
+          </a:p>
+          <a:p>
+            <a:pPr marL="0" indent="0">
+              <a:buNone/>
+            </a:pPr>
+            <a:r>
+              <a:rPr lang="tr-TR" sz="2200" dirty="0" smtClean="0"/>
+              <a:t>Isıtma </a:t>
+            </a:r>
+            <a:r>
+              <a:rPr lang="tr-TR" sz="2200" dirty="0"/>
+              <a:t>Sistemi </a:t>
+            </a:r>
+            <a:endParaRPr lang="tr-TR" sz="2200" dirty="0" smtClean="0"/>
+          </a:p>
+          <a:p>
+            <a:pPr marL="0" indent="0">
+              <a:buNone/>
+            </a:pPr>
+            <a:r>
+              <a:rPr lang="tr-TR" sz="2200" dirty="0" smtClean="0">
+                <a:solidFill>
+                  <a:srgbClr val="0070C0"/>
+                </a:solidFill>
+              </a:rPr>
+              <a:t>Yüksek </a:t>
+            </a:r>
+            <a:r>
+              <a:rPr lang="tr-TR" sz="2200" dirty="0">
+                <a:solidFill>
+                  <a:srgbClr val="0070C0"/>
+                </a:solidFill>
+              </a:rPr>
+              <a:t>= 0.8 * </a:t>
+            </a:r>
+            <a:r>
+              <a:rPr lang="tr-TR" sz="2200" dirty="0" err="1">
+                <a:solidFill>
+                  <a:srgbClr val="0070C0"/>
+                </a:solidFill>
+              </a:rPr>
+              <a:t>Outside_Temperature</a:t>
+            </a:r>
+            <a:r>
+              <a:rPr lang="tr-TR" sz="2200" dirty="0">
+                <a:solidFill>
+                  <a:srgbClr val="0070C0"/>
+                </a:solidFill>
+              </a:rPr>
+              <a:t> - 0.5 * </a:t>
+            </a:r>
+            <a:r>
+              <a:rPr lang="tr-TR" sz="2200" dirty="0" err="1">
+                <a:solidFill>
+                  <a:srgbClr val="0070C0"/>
+                </a:solidFill>
+              </a:rPr>
+              <a:t>Inside_Temperature</a:t>
+            </a:r>
+            <a:r>
+              <a:rPr lang="tr-TR" sz="2200" dirty="0">
+                <a:solidFill>
+                  <a:srgbClr val="0070C0"/>
+                </a:solidFill>
+              </a:rPr>
+              <a:t> + 20</a:t>
+            </a:r>
+          </a:p>
+          <a:p>
+            <a:pPr>
+              <a:lnSpc>
+                <a:spcPct val="150000"/>
+              </a:lnSpc>
+              <a:spcBef>
+                <a:spcPts val="0"/>
+              </a:spcBef>
+            </a:pPr>
+            <a:endParaRPr lang="tr-TR" sz="2000" dirty="0"/>
+          </a:p>
+        </p:txBody>
+      </p:sp>
+      <p:sp>
+        <p:nvSpPr>
+          <p:cNvPr id="4" name="Slayt Numarası Yer Tutucusu 3">
+            <a:extLst>
+              <a:ext uri="{FF2B5EF4-FFF2-40B4-BE49-F238E27FC236}">
+                <a16:creationId xmlns:a16="http://schemas.microsoft.com/office/drawing/2014/main" id="{E35EC097-B662-DB9B-F23B-5BFB7F9441CB}"/>
+              </a:ext>
+            </a:extLst>
+          </p:cNvPr>
+          <p:cNvSpPr>
+            <a:spLocks noGrp="1"/>
+          </p:cNvSpPr>
+          <p:nvPr>
+            <p:ph type="sldNum" sz="quarter" idx="12"/>
+          </p:nvPr>
+        </p:nvSpPr>
+        <p:spPr/>
+        <p:txBody>
+          <a:bodyPr/>
+          <a:lstStyle/>
+          <a:p>
+            <a:pPr rtl="0"/>
+            <a:fld id="{D8DA9DAA-006C-4F4B-980E-E3DF019B24E2}" type="slidenum">
+              <a:rPr lang="tr-TR" noProof="0" smtClean="0"/>
+              <a:t>12</a:t>
+            </a:fld>
+            <a:endParaRPr lang="tr-TR" noProof="0" dirty="0"/>
+          </a:p>
+        </p:txBody>
+      </p:sp>
+      <p:sp>
+        <p:nvSpPr>
+          <p:cNvPr id="6" name="Başlık 3">
+            <a:extLst>
+              <a:ext uri="{FF2B5EF4-FFF2-40B4-BE49-F238E27FC236}">
+                <a16:creationId xmlns:a16="http://schemas.microsoft.com/office/drawing/2014/main" id="{DD422265-2268-31AF-C9C2-EEA17AAF77FB}"/>
+              </a:ext>
+            </a:extLst>
+          </p:cNvPr>
+          <p:cNvSpPr>
+            <a:spLocks noGrp="1"/>
+          </p:cNvSpPr>
+          <p:nvPr>
+            <p:ph type="title"/>
+          </p:nvPr>
+        </p:nvSpPr>
+        <p:spPr>
+          <a:xfrm>
+            <a:off x="838199" y="435236"/>
+            <a:ext cx="10882745" cy="610821"/>
+          </a:xfrm>
+        </p:spPr>
+        <p:txBody>
+          <a:bodyPr rtlCol="0">
+            <a:noAutofit/>
+          </a:bodyPr>
+          <a:lstStyle/>
+          <a:p>
+            <a:r>
+              <a:rPr lang="tr-TR" sz="2800" dirty="0" smtClean="0"/>
+              <a:t>SIMPFUL KÜTÜPHANESİ-</a:t>
+            </a:r>
+            <a:r>
+              <a:rPr lang="tr-TR" sz="2800" dirty="0" err="1" smtClean="0"/>
+              <a:t>Sugeno</a:t>
+            </a:r>
+            <a:r>
+              <a:rPr lang="tr-TR" sz="2800" dirty="0" smtClean="0"/>
+              <a:t> </a:t>
+            </a:r>
+            <a:r>
+              <a:rPr lang="tr-TR" sz="2800" dirty="0" smtClean="0"/>
+              <a:t>Örnek</a:t>
+            </a:r>
+            <a:endParaRPr lang="tr-TR" sz="2000" dirty="0">
+              <a:solidFill>
+                <a:schemeClr val="accent2">
+                  <a:lumMod val="75000"/>
+                </a:schemeClr>
+              </a:solidFill>
+            </a:endParaRPr>
+          </a:p>
+        </p:txBody>
+      </p:sp>
+    </p:spTree>
+    <p:extLst>
+      <p:ext uri="{BB962C8B-B14F-4D97-AF65-F5344CB8AC3E}">
+        <p14:creationId xmlns:p14="http://schemas.microsoft.com/office/powerpoint/2010/main" val="1803832270"/>
+      </p:ext>
+    </p:extLst>
+  </p:cSld>
+  <p:clrMapOvr>
+    <a:masterClrMapping/>
+  </p:clrMapOvr>
+  <p:timing>
+    <p:tnLst>
+      <p:par>
+        <p:cTn id="1" dur="indefinite" restart="never" nodeType="tmRoot"/>
+      </p:par>
+    </p:tnLst>
+  </p:timing>
+</p:sld>
+</file>
+
+<file path=ppt/slides/slide13.xml><?xml version="1.0" encoding="utf-8"?>
+<p:sld xmlns:a="http://schemas.openxmlformats.org/drawingml/2006/main" xmlns:r="http://schemas.openxmlformats.org/officeDocument/2006/relationships" xmlns:p="http://schemas.openxmlformats.org/presentationml/2006/main">
+  <p:cSld>
+    <p:spTree>
+      <p:nvGrpSpPr>
+        <p:cNvPr id="1" name=""/>
+        <p:cNvGrpSpPr/>
+        <p:nvPr/>
+      </p:nvGrpSpPr>
+      <p:grpSpPr>
+        <a:xfrm>
+          <a:off x="0" y="0"/>
+          <a:ext cx="0" cy="0"/>
+          <a:chOff x="0" y="0"/>
+          <a:chExt cx="0" cy="0"/>
+        </a:xfrm>
+      </p:grpSpPr>
+      <p:sp>
+        <p:nvSpPr>
+          <p:cNvPr id="3" name="İçerik Yer Tutucusu 2">
+            <a:extLst>
+              <a:ext uri="{FF2B5EF4-FFF2-40B4-BE49-F238E27FC236}">
+                <a16:creationId xmlns:a16="http://schemas.microsoft.com/office/drawing/2014/main" id="{166FF8F5-D0CB-68CC-5F86-1E602CE7B0A0}"/>
+              </a:ext>
+            </a:extLst>
+          </p:cNvPr>
+          <p:cNvSpPr>
+            <a:spLocks noGrp="1"/>
+          </p:cNvSpPr>
+          <p:nvPr>
+            <p:ph idx="1"/>
+          </p:nvPr>
+        </p:nvSpPr>
+        <p:spPr>
+          <a:xfrm>
+            <a:off x="838200" y="1046057"/>
+            <a:ext cx="10515600" cy="5675418"/>
+          </a:xfrm>
+        </p:spPr>
+        <p:txBody>
+          <a:bodyPr>
+            <a:normAutofit lnSpcReduction="10000"/>
+          </a:bodyPr>
+          <a:lstStyle/>
+          <a:p>
+            <a:pPr marL="0" indent="0" algn="ctr">
+              <a:lnSpc>
+                <a:spcPct val="150000"/>
+              </a:lnSpc>
+              <a:spcBef>
+                <a:spcPts val="0"/>
+              </a:spcBef>
+              <a:buNone/>
+            </a:pPr>
+            <a:r>
+              <a:rPr lang="tr-TR" sz="2000" b="1" dirty="0"/>
+              <a:t>Bulanık </a:t>
+            </a:r>
+            <a:r>
+              <a:rPr lang="tr-TR" sz="2000" b="1" dirty="0" smtClean="0"/>
+              <a:t>Kümeler</a:t>
+            </a:r>
+            <a:endParaRPr lang="tr-TR" sz="2000" dirty="0"/>
+          </a:p>
+          <a:p>
+            <a:pPr marL="0" indent="0" algn="ctr">
+              <a:lnSpc>
+                <a:spcPct val="150000"/>
+              </a:lnSpc>
+              <a:spcBef>
+                <a:spcPts val="0"/>
+              </a:spcBef>
+              <a:buNone/>
+            </a:pPr>
+            <a:r>
+              <a:rPr lang="tr-TR" sz="2000" b="1" u="sng" dirty="0" smtClean="0">
+                <a:solidFill>
+                  <a:srgbClr val="0070C0"/>
+                </a:solidFill>
+              </a:rPr>
+              <a:t>Kurallar</a:t>
+            </a:r>
+            <a:endParaRPr lang="tr-TR" sz="2000" b="1" u="sng" dirty="0">
+              <a:solidFill>
+                <a:srgbClr val="0070C0"/>
+              </a:solidFill>
+            </a:endParaRPr>
+          </a:p>
+          <a:p>
+            <a:pPr>
+              <a:lnSpc>
+                <a:spcPct val="150000"/>
+              </a:lnSpc>
+              <a:spcBef>
+                <a:spcPts val="0"/>
+              </a:spcBef>
+            </a:pPr>
+            <a:r>
+              <a:rPr lang="tr-TR" sz="2000" dirty="0"/>
+              <a:t>Eğer dış hava sıcaklığı </a:t>
+            </a:r>
+            <a:r>
+              <a:rPr lang="tr-TR" sz="2000" dirty="0" smtClean="0"/>
+              <a:t>SOĞUK </a:t>
+            </a:r>
+            <a:r>
+              <a:rPr lang="tr-TR" sz="2000" dirty="0"/>
+              <a:t>VE iç mekan sıcaklığı </a:t>
+            </a:r>
+            <a:r>
+              <a:rPr lang="tr-TR" sz="2000" dirty="0" smtClean="0"/>
+              <a:t>SOĞUKSA, </a:t>
+            </a:r>
+            <a:r>
+              <a:rPr lang="tr-TR" sz="2000" dirty="0"/>
+              <a:t>o zaman ısıtma sistemi gücü </a:t>
+            </a:r>
+            <a:r>
+              <a:rPr lang="tr-TR" sz="2000" dirty="0" smtClean="0"/>
+              <a:t>Yüksek </a:t>
+            </a:r>
+            <a:r>
+              <a:rPr lang="tr-TR" sz="2000" dirty="0"/>
+              <a:t>olmalıdır.</a:t>
+            </a:r>
+          </a:p>
+          <a:p>
+            <a:pPr>
+              <a:lnSpc>
+                <a:spcPct val="150000"/>
+              </a:lnSpc>
+              <a:spcBef>
+                <a:spcPts val="0"/>
+              </a:spcBef>
+            </a:pPr>
+            <a:r>
+              <a:rPr lang="tr-TR" sz="2000" dirty="0"/>
+              <a:t>Eğer dış hava sıcaklığı </a:t>
+            </a:r>
+            <a:r>
+              <a:rPr lang="tr-TR" sz="2000" dirty="0" smtClean="0"/>
+              <a:t>ILIMAN </a:t>
+            </a:r>
+            <a:r>
+              <a:rPr lang="tr-TR" sz="2000" dirty="0"/>
+              <a:t>seviyede VE iç mekan sıcaklığı </a:t>
+            </a:r>
+            <a:r>
+              <a:rPr lang="tr-TR" sz="2000" dirty="0" smtClean="0"/>
+              <a:t>NORMAL </a:t>
+            </a:r>
+            <a:r>
+              <a:rPr lang="tr-TR" sz="2000" dirty="0"/>
+              <a:t>seviyede, o zaman ısıtma sistemi gücü </a:t>
+            </a:r>
+            <a:r>
+              <a:rPr lang="tr-TR" sz="2000" dirty="0" smtClean="0"/>
+              <a:t>Orta </a:t>
+            </a:r>
+            <a:r>
+              <a:rPr lang="tr-TR" sz="2000" dirty="0"/>
+              <a:t>seviyede olmalıdır.</a:t>
+            </a:r>
+          </a:p>
+          <a:p>
+            <a:pPr>
+              <a:lnSpc>
+                <a:spcPct val="150000"/>
+              </a:lnSpc>
+              <a:spcBef>
+                <a:spcPts val="0"/>
+              </a:spcBef>
+            </a:pPr>
+            <a:r>
+              <a:rPr lang="tr-TR" sz="2000" dirty="0"/>
+              <a:t>Eğer dış hava </a:t>
+            </a:r>
+            <a:r>
+              <a:rPr lang="tr-TR" sz="2000" dirty="0" smtClean="0"/>
+              <a:t>SICAK </a:t>
+            </a:r>
+            <a:r>
+              <a:rPr lang="tr-TR" sz="2000" dirty="0"/>
+              <a:t>yüksekse VE iç mekan sıcaklığı </a:t>
+            </a:r>
+            <a:r>
+              <a:rPr lang="tr-TR" sz="2000" dirty="0" smtClean="0"/>
+              <a:t>SICAKSA, </a:t>
+            </a:r>
+            <a:r>
+              <a:rPr lang="tr-TR" sz="2000" dirty="0"/>
+              <a:t>o zaman ısıtma sistemi gücü </a:t>
+            </a:r>
+            <a:r>
+              <a:rPr lang="tr-TR" sz="2000" dirty="0" smtClean="0"/>
+              <a:t>DÜŞÜK </a:t>
+            </a:r>
+            <a:r>
+              <a:rPr lang="tr-TR" sz="2000" dirty="0"/>
+              <a:t>olmalıdır</a:t>
+            </a:r>
+            <a:r>
+              <a:rPr lang="tr-TR" sz="2000" dirty="0" smtClean="0"/>
+              <a:t>.</a:t>
+            </a:r>
+          </a:p>
+          <a:p>
+            <a:pPr marL="0" indent="0" algn="ctr">
+              <a:buNone/>
+            </a:pPr>
+            <a:r>
+              <a:rPr lang="tr-TR" sz="2200" b="1" u="sng" dirty="0" smtClean="0">
+                <a:solidFill>
+                  <a:srgbClr val="0070C0"/>
+                </a:solidFill>
+              </a:rPr>
+              <a:t>Çıkış Değerleri </a:t>
+            </a:r>
+            <a:endParaRPr lang="tr-TR" sz="2200" b="1" u="sng" dirty="0">
+              <a:solidFill>
+                <a:srgbClr val="0070C0"/>
+              </a:solidFill>
+            </a:endParaRPr>
+          </a:p>
+          <a:p>
+            <a:pPr marL="0" indent="0">
+              <a:buNone/>
+            </a:pPr>
+            <a:r>
+              <a:rPr lang="tr-TR" sz="2200" dirty="0" smtClean="0"/>
+              <a:t>Isıtma </a:t>
+            </a:r>
+            <a:r>
+              <a:rPr lang="tr-TR" sz="2200" dirty="0"/>
+              <a:t>Sistemi Gücü </a:t>
+            </a:r>
+            <a:r>
+              <a:rPr lang="tr-TR" sz="2200" dirty="0" smtClean="0"/>
+              <a:t>Tüm Kümeleri İçin:</a:t>
+            </a:r>
+          </a:p>
+          <a:p>
+            <a:r>
+              <a:rPr lang="tr-TR" sz="2200" dirty="0" smtClean="0">
+                <a:solidFill>
+                  <a:srgbClr val="0070C0"/>
+                </a:solidFill>
+              </a:rPr>
+              <a:t>Düşük: 10</a:t>
+            </a:r>
+          </a:p>
+          <a:p>
+            <a:r>
+              <a:rPr lang="tr-TR" sz="2200" dirty="0" smtClean="0">
+                <a:solidFill>
+                  <a:srgbClr val="0070C0"/>
+                </a:solidFill>
+              </a:rPr>
+              <a:t>Orta: 30</a:t>
+            </a:r>
+          </a:p>
+          <a:p>
+            <a:r>
+              <a:rPr lang="tr-TR" sz="2200" dirty="0" smtClean="0">
+                <a:solidFill>
+                  <a:srgbClr val="0070C0"/>
+                </a:solidFill>
+              </a:rPr>
+              <a:t>Yüksek: 0.8 </a:t>
+            </a:r>
+            <a:r>
+              <a:rPr lang="tr-TR" sz="2200" dirty="0">
+                <a:solidFill>
+                  <a:srgbClr val="0070C0"/>
+                </a:solidFill>
+              </a:rPr>
+              <a:t>* </a:t>
+            </a:r>
+            <a:r>
+              <a:rPr lang="tr-TR" sz="2200" dirty="0" err="1">
+                <a:solidFill>
+                  <a:srgbClr val="0070C0"/>
+                </a:solidFill>
+              </a:rPr>
+              <a:t>Outside_Temperature</a:t>
+            </a:r>
+            <a:r>
+              <a:rPr lang="tr-TR" sz="2200" dirty="0">
+                <a:solidFill>
+                  <a:srgbClr val="0070C0"/>
+                </a:solidFill>
+              </a:rPr>
+              <a:t> - 0.5 * </a:t>
+            </a:r>
+            <a:r>
+              <a:rPr lang="tr-TR" sz="2200" dirty="0" err="1">
+                <a:solidFill>
+                  <a:srgbClr val="0070C0"/>
+                </a:solidFill>
+              </a:rPr>
+              <a:t>Inside_Temperature</a:t>
+            </a:r>
+            <a:r>
+              <a:rPr lang="tr-TR" sz="2200" dirty="0">
+                <a:solidFill>
+                  <a:srgbClr val="0070C0"/>
+                </a:solidFill>
+              </a:rPr>
+              <a:t> + 20</a:t>
+            </a:r>
+          </a:p>
+          <a:p>
+            <a:pPr>
+              <a:lnSpc>
+                <a:spcPct val="150000"/>
+              </a:lnSpc>
+              <a:spcBef>
+                <a:spcPts val="0"/>
+              </a:spcBef>
+            </a:pPr>
+            <a:endParaRPr lang="tr-TR" sz="2000" dirty="0"/>
+          </a:p>
+        </p:txBody>
+      </p:sp>
+      <p:sp>
+        <p:nvSpPr>
+          <p:cNvPr id="4" name="Slayt Numarası Yer Tutucusu 3">
+            <a:extLst>
+              <a:ext uri="{FF2B5EF4-FFF2-40B4-BE49-F238E27FC236}">
+                <a16:creationId xmlns:a16="http://schemas.microsoft.com/office/drawing/2014/main" id="{E35EC097-B662-DB9B-F23B-5BFB7F9441CB}"/>
+              </a:ext>
+            </a:extLst>
+          </p:cNvPr>
+          <p:cNvSpPr>
+            <a:spLocks noGrp="1"/>
+          </p:cNvSpPr>
+          <p:nvPr>
+            <p:ph type="sldNum" sz="quarter" idx="12"/>
+          </p:nvPr>
+        </p:nvSpPr>
+        <p:spPr/>
+        <p:txBody>
+          <a:bodyPr/>
+          <a:lstStyle/>
+          <a:p>
+            <a:pPr rtl="0"/>
+            <a:fld id="{D8DA9DAA-006C-4F4B-980E-E3DF019B24E2}" type="slidenum">
+              <a:rPr lang="tr-TR" noProof="0" smtClean="0"/>
+              <a:t>13</a:t>
+            </a:fld>
+            <a:endParaRPr lang="tr-TR" noProof="0" dirty="0"/>
+          </a:p>
+        </p:txBody>
+      </p:sp>
+      <p:sp>
+        <p:nvSpPr>
+          <p:cNvPr id="6" name="Başlık 3">
+            <a:extLst>
+              <a:ext uri="{FF2B5EF4-FFF2-40B4-BE49-F238E27FC236}">
+                <a16:creationId xmlns:a16="http://schemas.microsoft.com/office/drawing/2014/main" id="{DD422265-2268-31AF-C9C2-EEA17AAF77FB}"/>
+              </a:ext>
+            </a:extLst>
+          </p:cNvPr>
+          <p:cNvSpPr>
+            <a:spLocks noGrp="1"/>
+          </p:cNvSpPr>
+          <p:nvPr>
+            <p:ph type="title"/>
+          </p:nvPr>
+        </p:nvSpPr>
+        <p:spPr>
+          <a:xfrm>
+            <a:off x="838199" y="435236"/>
+            <a:ext cx="10882745" cy="610821"/>
+          </a:xfrm>
+        </p:spPr>
+        <p:txBody>
+          <a:bodyPr rtlCol="0">
+            <a:noAutofit/>
+          </a:bodyPr>
+          <a:lstStyle/>
+          <a:p>
+            <a:r>
+              <a:rPr lang="tr-TR" sz="2800" dirty="0" smtClean="0"/>
+              <a:t>SIMPFUL KÜTÜPHANESİ-</a:t>
+            </a:r>
+            <a:r>
+              <a:rPr lang="tr-TR" sz="2800" dirty="0" err="1" smtClean="0"/>
+              <a:t>Sugeno</a:t>
+            </a:r>
+            <a:r>
+              <a:rPr lang="tr-TR" sz="2800" dirty="0" smtClean="0"/>
+              <a:t> </a:t>
+            </a:r>
+            <a:r>
+              <a:rPr lang="tr-TR" sz="2800" dirty="0" smtClean="0"/>
+              <a:t>Örnek</a:t>
+            </a:r>
+            <a:endParaRPr lang="tr-TR" sz="2000" dirty="0">
+              <a:solidFill>
+                <a:schemeClr val="accent2">
+                  <a:lumMod val="75000"/>
+                </a:schemeClr>
+              </a:solidFill>
+            </a:endParaRPr>
+          </a:p>
+        </p:txBody>
+      </p:sp>
+    </p:spTree>
+    <p:extLst>
+      <p:ext uri="{BB962C8B-B14F-4D97-AF65-F5344CB8AC3E}">
+        <p14:creationId xmlns:p14="http://schemas.microsoft.com/office/powerpoint/2010/main" val="3870633445"/>
+      </p:ext>
+    </p:extLst>
+  </p:cSld>
+  <p:clrMapOvr>
+    <a:masterClrMapping/>
+  </p:clrMapOvr>
+  <p:timing>
+    <p:tnLst>
+      <p:par>
+        <p:cTn id="1" dur="indefinite" restart="never" nodeType="tmRoot"/>
+      </p:par>
+    </p:tnLst>
+  </p:timing>
+</p:sld>
+</file>
+
+<file path=ppt/slides/slide14.xml><?xml version="1.0" encoding="utf-8"?>
+<p:sld xmlns:a="http://schemas.openxmlformats.org/drawingml/2006/main" xmlns:r="http://schemas.openxmlformats.org/officeDocument/2006/relationships" xmlns:p="http://schemas.openxmlformats.org/presentationml/2006/main">
+  <p:cSld>
+    <p:spTree>
+      <p:nvGrpSpPr>
+        <p:cNvPr id="1" name=""/>
+        <p:cNvGrpSpPr/>
+        <p:nvPr/>
+      </p:nvGrpSpPr>
+      <p:grpSpPr>
+        <a:xfrm>
+          <a:off x="0" y="0"/>
+          <a:ext cx="0" cy="0"/>
+          <a:chOff x="0" y="0"/>
+          <a:chExt cx="0" cy="0"/>
+        </a:xfrm>
+      </p:grpSpPr>
+      <p:sp>
+        <p:nvSpPr>
+          <p:cNvPr id="3" name="İçerik Yer Tutucusu 2">
+            <a:extLst>
+              <a:ext uri="{FF2B5EF4-FFF2-40B4-BE49-F238E27FC236}">
+                <a16:creationId xmlns:a16="http://schemas.microsoft.com/office/drawing/2014/main" id="{166FF8F5-D0CB-68CC-5F86-1E602CE7B0A0}"/>
+              </a:ext>
+            </a:extLst>
+          </p:cNvPr>
+          <p:cNvSpPr>
+            <a:spLocks noGrp="1"/>
+          </p:cNvSpPr>
+          <p:nvPr>
+            <p:ph idx="1"/>
+          </p:nvPr>
+        </p:nvSpPr>
+        <p:spPr>
+          <a:xfrm>
+            <a:off x="838200" y="1046057"/>
+            <a:ext cx="10515600" cy="5675418"/>
+          </a:xfrm>
+        </p:spPr>
+        <p:txBody>
+          <a:bodyPr>
+            <a:normAutofit/>
+          </a:bodyPr>
+          <a:lstStyle/>
+          <a:p>
+            <a:pPr marL="0" indent="0" algn="ctr">
+              <a:lnSpc>
+                <a:spcPct val="150000"/>
+              </a:lnSpc>
+              <a:spcBef>
+                <a:spcPts val="0"/>
+              </a:spcBef>
+              <a:buNone/>
+            </a:pPr>
+            <a:r>
+              <a:rPr lang="tr-TR" sz="2000" b="1" dirty="0" smtClean="0"/>
+              <a:t>Soru</a:t>
+            </a:r>
+            <a:endParaRPr lang="tr-TR" sz="2000" dirty="0"/>
+          </a:p>
+          <a:p>
+            <a:pPr marL="0" indent="0" algn="just">
+              <a:lnSpc>
+                <a:spcPct val="150000"/>
+              </a:lnSpc>
+              <a:spcBef>
+                <a:spcPts val="0"/>
+              </a:spcBef>
+              <a:buNone/>
+            </a:pPr>
+            <a:r>
+              <a:rPr lang="tr-TR" sz="2200" dirty="0"/>
+              <a:t>Eğer dış hava sıcaklığı </a:t>
+            </a:r>
+            <a:r>
+              <a:rPr lang="tr-TR" sz="2200" dirty="0" smtClean="0"/>
+              <a:t>40 </a:t>
+            </a:r>
+            <a:r>
+              <a:rPr lang="tr-TR" sz="2200" dirty="0"/>
+              <a:t>derece, iç mekan sıcaklığı ise </a:t>
+            </a:r>
+            <a:r>
+              <a:rPr lang="tr-TR" sz="2200" dirty="0" smtClean="0"/>
+              <a:t>35 </a:t>
+            </a:r>
+            <a:r>
+              <a:rPr lang="tr-TR" sz="2200" dirty="0"/>
+              <a:t>derece olarak ölçülüyorsa, ısıtma sistemi gücü ne kadar olmalıdır? </a:t>
+            </a:r>
+            <a:endParaRPr lang="tr-TR" sz="2200" dirty="0" smtClean="0"/>
+          </a:p>
+          <a:p>
+            <a:pPr marL="0" indent="0" algn="just">
+              <a:lnSpc>
+                <a:spcPct val="150000"/>
+              </a:lnSpc>
+              <a:spcBef>
+                <a:spcPts val="0"/>
+              </a:spcBef>
+              <a:buNone/>
+            </a:pPr>
+            <a:endParaRPr lang="tr-TR" sz="2200" dirty="0"/>
+          </a:p>
+          <a:p>
+            <a:pPr marL="0" indent="0" algn="just">
+              <a:lnSpc>
+                <a:spcPct val="150000"/>
+              </a:lnSpc>
+              <a:spcBef>
+                <a:spcPts val="0"/>
+              </a:spcBef>
+              <a:buNone/>
+            </a:pPr>
+            <a:r>
+              <a:rPr lang="tr-TR" sz="2200" dirty="0" err="1" smtClean="0"/>
+              <a:t>Python</a:t>
+            </a:r>
+            <a:r>
+              <a:rPr lang="tr-TR" sz="2200" dirty="0" smtClean="0"/>
+              <a:t> kodunu yazın?</a:t>
+            </a:r>
+          </a:p>
+          <a:p>
+            <a:pPr marL="0" indent="0" algn="just">
+              <a:lnSpc>
+                <a:spcPct val="150000"/>
+              </a:lnSpc>
+              <a:spcBef>
+                <a:spcPts val="0"/>
+              </a:spcBef>
+              <a:buNone/>
+            </a:pPr>
+            <a:r>
+              <a:rPr lang="tr-TR" sz="2200" dirty="0" smtClean="0"/>
+              <a:t>Ayrıca </a:t>
+            </a:r>
+            <a:r>
+              <a:rPr lang="tr-TR" sz="2200" dirty="0" err="1" smtClean="0"/>
+              <a:t>manual</a:t>
+            </a:r>
+            <a:r>
+              <a:rPr lang="tr-TR" sz="2200" dirty="0" smtClean="0"/>
+              <a:t> olarak hesaplayıp </a:t>
+            </a:r>
+            <a:r>
+              <a:rPr lang="tr-TR" sz="2200" smtClean="0"/>
+              <a:t>Python</a:t>
+            </a:r>
+            <a:r>
+              <a:rPr lang="tr-TR" sz="2200" dirty="0" smtClean="0"/>
+              <a:t> programının verdiği sonuçla karşılaştırın?</a:t>
+            </a:r>
+            <a:endParaRPr lang="tr-TR" sz="2200" dirty="0"/>
+          </a:p>
+        </p:txBody>
+      </p:sp>
+      <p:sp>
+        <p:nvSpPr>
+          <p:cNvPr id="4" name="Slayt Numarası Yer Tutucusu 3">
+            <a:extLst>
+              <a:ext uri="{FF2B5EF4-FFF2-40B4-BE49-F238E27FC236}">
+                <a16:creationId xmlns:a16="http://schemas.microsoft.com/office/drawing/2014/main" id="{E35EC097-B662-DB9B-F23B-5BFB7F9441CB}"/>
+              </a:ext>
+            </a:extLst>
+          </p:cNvPr>
+          <p:cNvSpPr>
+            <a:spLocks noGrp="1"/>
+          </p:cNvSpPr>
+          <p:nvPr>
+            <p:ph type="sldNum" sz="quarter" idx="12"/>
+          </p:nvPr>
+        </p:nvSpPr>
+        <p:spPr/>
+        <p:txBody>
+          <a:bodyPr/>
+          <a:lstStyle/>
+          <a:p>
+            <a:pPr rtl="0"/>
+            <a:fld id="{D8DA9DAA-006C-4F4B-980E-E3DF019B24E2}" type="slidenum">
+              <a:rPr lang="tr-TR" noProof="0" smtClean="0"/>
+              <a:t>14</a:t>
+            </a:fld>
+            <a:endParaRPr lang="tr-TR" noProof="0" dirty="0"/>
+          </a:p>
+        </p:txBody>
+      </p:sp>
+      <p:sp>
+        <p:nvSpPr>
+          <p:cNvPr id="6" name="Başlık 3">
+            <a:extLst>
+              <a:ext uri="{FF2B5EF4-FFF2-40B4-BE49-F238E27FC236}">
+                <a16:creationId xmlns:a16="http://schemas.microsoft.com/office/drawing/2014/main" id="{DD422265-2268-31AF-C9C2-EEA17AAF77FB}"/>
+              </a:ext>
+            </a:extLst>
+          </p:cNvPr>
+          <p:cNvSpPr>
+            <a:spLocks noGrp="1"/>
+          </p:cNvSpPr>
+          <p:nvPr>
+            <p:ph type="title"/>
+          </p:nvPr>
+        </p:nvSpPr>
+        <p:spPr>
+          <a:xfrm>
+            <a:off x="838199" y="435236"/>
+            <a:ext cx="10882745" cy="610821"/>
+          </a:xfrm>
+        </p:spPr>
+        <p:txBody>
+          <a:bodyPr rtlCol="0">
+            <a:noAutofit/>
+          </a:bodyPr>
+          <a:lstStyle/>
+          <a:p>
+            <a:r>
+              <a:rPr lang="tr-TR" sz="2800" dirty="0" smtClean="0"/>
+              <a:t>SIMPFUL KÜTÜPHANESİ-</a:t>
+            </a:r>
+            <a:r>
+              <a:rPr lang="tr-TR" sz="2800" dirty="0" err="1" smtClean="0"/>
+              <a:t>Sugeno</a:t>
+            </a:r>
+            <a:r>
+              <a:rPr lang="tr-TR" sz="2800" dirty="0" smtClean="0"/>
+              <a:t> </a:t>
+            </a:r>
+            <a:r>
+              <a:rPr lang="tr-TR" sz="2800" dirty="0" smtClean="0"/>
+              <a:t>Örnek</a:t>
+            </a:r>
+            <a:endParaRPr lang="tr-TR" sz="2000" dirty="0">
+              <a:solidFill>
+                <a:schemeClr val="accent2">
+                  <a:lumMod val="75000"/>
+                </a:schemeClr>
+              </a:solidFill>
+            </a:endParaRPr>
+          </a:p>
+        </p:txBody>
+      </p:sp>
+    </p:spTree>
+    <p:extLst>
+      <p:ext uri="{BB962C8B-B14F-4D97-AF65-F5344CB8AC3E}">
+        <p14:creationId xmlns:p14="http://schemas.microsoft.com/office/powerpoint/2010/main" val="3080556982"/>
+      </p:ext>
+    </p:extLst>
+  </p:cSld>
+  <p:clrMapOvr>
+    <a:masterClrMapping/>
+  </p:clrMapOvr>
+  <p:timing>
+    <p:tnLst>
+      <p:par>
+        <p:cTn id="1" dur="indefinite" restart="never" nodeType="tmRoot"/>
+      </p:par>
+    </p:tnLst>
+  </p:timing>
+</p:sld>
+</file>
+
 <file path=ppt/slides/slide2.xml><?xml version="1.0" encoding="utf-8"?>
 <p:sld xmlns:a="http://schemas.openxmlformats.org/drawingml/2006/main" xmlns:r="http://schemas.openxmlformats.org/officeDocument/2006/relationships" xmlns:p="http://schemas.openxmlformats.org/presentationml/2006/main">
   <p:cSld>
@@ -11901,6 +13753,13 @@
   <p:clrMapOvr>
     <a:masterClrMapping/>
   </p:clrMapOvr>
+  <p:timing>
+    <p:tnLst>
+      <p:par>
+        <p:cTn id="1" dur="indefinite" restart="never" nodeType="tmRoot"/>
+      </p:par>
+    </p:tnLst>
+  </p:timing>
 </p:sld>
 </file>
 
@@ -12057,13 +13916,6 @@
               </a:rPr>
               <a:t>Ornek-5_simpfullibrary.py</a:t>
             </a:r>
-            <a:endParaRPr lang="tr-TR" sz="2800" dirty="0">
-              <a:solidFill>
-                <a:schemeClr val="accent2">
-                  <a:lumMod val="75000"/>
-                </a:schemeClr>
-              </a:solidFill>
-            </a:endParaRPr>
           </a:p>
         </p:txBody>
       </p:sp>
@@ -12264,13 +14116,6 @@
               </a:rPr>
               <a:t>Ornek-5_simpfullibrary.py</a:t>
             </a:r>
-            <a:endParaRPr lang="tr-TR" sz="2800" dirty="0">
-              <a:solidFill>
-                <a:schemeClr val="accent2">
-                  <a:lumMod val="75000"/>
-                </a:schemeClr>
-              </a:solidFill>
-            </a:endParaRPr>
           </a:p>
         </p:txBody>
       </p:sp>
@@ -12427,7 +14272,7 @@
             </a:r>
             <a:r>
               <a:rPr lang="tr-TR" sz="1800" dirty="0" smtClean="0"/>
-              <a:t>) kümeleri Service dilsel değişkeninin kümeleridir. Nokta Aralığı verilerek tanımlanmıştır. S_1 için x= için üyelik=1 ve x=5. için üyelik=0. aralığı verilir.</a:t>
+              <a:t>) kümeleri Service dilsel değişkeninin kümeleridir. Nokta Aralığı verilerek tanımlanmıştır ([x, üyelik]). S_1 için x=0 da üyelik=1 ve x=5. de üyelik=0. aralığı verilir.</a:t>
             </a:r>
           </a:p>
           <a:p>
@@ -12534,13 +14379,6 @@
               </a:rPr>
               <a:t>Ornek-6_simpfullibrary_sugeno.py</a:t>
             </a:r>
-            <a:endParaRPr lang="tr-TR" sz="2800" dirty="0">
-              <a:solidFill>
-                <a:schemeClr val="accent2">
-                  <a:lumMod val="75000"/>
-                </a:schemeClr>
-              </a:solidFill>
-            </a:endParaRPr>
           </a:p>
         </p:txBody>
       </p:sp>
@@ -12859,13 +14697,6 @@
               </a:rPr>
               <a:t>Ornek-6_simpfullibrary_sugeno.py</a:t>
             </a:r>
-            <a:endParaRPr lang="tr-TR" sz="2800" dirty="0">
-              <a:solidFill>
-                <a:schemeClr val="accent2">
-                  <a:lumMod val="75000"/>
-                </a:schemeClr>
-              </a:solidFill>
-            </a:endParaRPr>
           </a:p>
         </p:txBody>
       </p:sp>
@@ -13092,13 +14923,6 @@
               </a:rPr>
               <a:t>Ornek-6_simpfullibrary_sugeno.py</a:t>
             </a:r>
-            <a:endParaRPr lang="tr-TR" sz="2800" dirty="0">
-              <a:solidFill>
-                <a:schemeClr val="accent2">
-                  <a:lumMod val="75000"/>
-                </a:schemeClr>
-              </a:solidFill>
-            </a:endParaRPr>
           </a:p>
         </p:txBody>
       </p:sp>
@@ -13334,13 +15158,6 @@
               </a:rPr>
               <a:t>Ornek-6_simpfullibrary_sugeno.py</a:t>
             </a:r>
-            <a:endParaRPr lang="tr-TR" sz="2800" dirty="0">
-              <a:solidFill>
-                <a:schemeClr val="accent2">
-                  <a:lumMod val="75000"/>
-                </a:schemeClr>
-              </a:solidFill>
-            </a:endParaRPr>
           </a:p>
         </p:txBody>
       </p:sp>
@@ -13521,10 +15338,9 @@
               <a:buNone/>
             </a:pPr>
             <a:r>
-              <a:rPr lang="tr-TR" sz="2400" b="1" smtClean="0"/>
+              <a:rPr lang="tr-TR" sz="2400" b="1" dirty="0" smtClean="0"/>
               <a:t>Ödev</a:t>
             </a:r>
-            <a:endParaRPr lang="tr-TR" sz="2400" b="1" dirty="0" smtClean="0"/>
           </a:p>
           <a:p>
             <a:pPr algn="just">
@@ -13745,15 +15561,15 @@
             </a:r>
             <a:r>
               <a:rPr lang="en-US" sz="1600" dirty="0" smtClean="0"/>
-              <a:t>0</a:t>
-            </a:r>
-            <a:r>
-              <a:rPr lang="en-US" sz="1600" dirty="0"/>
-              <a:t>) </a:t>
+              <a:t>0 </a:t>
             </a:r>
             <a:r>
               <a:rPr lang="tr-TR" sz="1600" dirty="0" smtClean="0"/>
-              <a:t> 		#m(0.51)=1.0</a:t>
+              <a:t> </a:t>
+            </a:r>
+            <a:r>
+              <a:rPr lang="tr-TR" sz="1600" dirty="0" smtClean="0"/>
+              <a:t>		#m(0.51)=1.0</a:t>
             </a:r>
             <a:endParaRPr lang="en-US" sz="1600" dirty="0"/>
           </a:p>
@@ -15138,21 +16954,21 @@
 </file>
 
 <file path=customXml/item2.xml><?xml version="1.0" encoding="utf-8"?>
+<p:properties xmlns:p="http://schemas.microsoft.com/office/2006/metadata/properties" xmlns:xsi="http://www.w3.org/2001/XMLSchema-instance" xmlns:pc="http://schemas.microsoft.com/office/infopath/2007/PartnerControls">
+  <documentManagement>
+    <Status xmlns="71af3243-3dd4-4a8d-8c0d-dd76da1f02a5">Not started</Status>
+    <MediaServiceKeyPoints xmlns="71af3243-3dd4-4a8d-8c0d-dd76da1f02a5" xsi:nil="true"/>
+  </documentManagement>
+</p:properties>
+</file>
+
+<file path=customXml/item3.xml><?xml version="1.0" encoding="utf-8"?>
 <?mso-contentType ?>
 <FormTemplates xmlns="http://schemas.microsoft.com/sharepoint/v3/contenttype/forms">
   <Display>DocumentLibraryForm</Display>
   <Edit>DocumentLibraryForm</Edit>
   <New>DocumentLibraryForm</New>
 </FormTemplates>
-</file>
-
-<file path=customXml/item3.xml><?xml version="1.0" encoding="utf-8"?>
-<p:properties xmlns:p="http://schemas.microsoft.com/office/2006/metadata/properties" xmlns:xsi="http://www.w3.org/2001/XMLSchema-instance" xmlns:pc="http://schemas.microsoft.com/office/infopath/2007/PartnerControls">
-  <documentManagement>
-    <Status xmlns="71af3243-3dd4-4a8d-8c0d-dd76da1f02a5">Not started</Status>
-    <MediaServiceKeyPoints xmlns="71af3243-3dd4-4a8d-8c0d-dd76da1f02a5" xsi:nil="true"/>
-  </documentManagement>
-</p:properties>
 </file>
 
 <file path=customXml/itemProps1.xml><?xml version="1.0" encoding="utf-8"?>
@@ -15175,14 +16991,6 @@
 </file>
 
 <file path=customXml/itemProps2.xml><?xml version="1.0" encoding="utf-8"?>
-<ds:datastoreItem xmlns:ds="http://schemas.openxmlformats.org/officeDocument/2006/customXml" ds:itemID="{3C8E00D1-8EA3-4E42-801D-0253E1EAFC21}">
-  <ds:schemaRefs>
-    <ds:schemaRef ds:uri="http://schemas.microsoft.com/sharepoint/v3/contenttype/forms"/>
-  </ds:schemaRefs>
-</ds:datastoreItem>
-</file>
-
-<file path=customXml/itemProps3.xml><?xml version="1.0" encoding="utf-8"?>
 <ds:datastoreItem xmlns:ds="http://schemas.openxmlformats.org/officeDocument/2006/customXml" ds:itemID="{99919F73-B6C2-4A43-95E2-833EC48925FE}">
   <ds:schemaRefs>
     <ds:schemaRef ds:uri="http://schemas.microsoft.com/office/2006/metadata/properties"/>
@@ -15190,4 +16998,12 @@
     <ds:schemaRef ds:uri="71af3243-3dd4-4a8d-8c0d-dd76da1f02a5"/>
   </ds:schemaRefs>
 </ds:datastoreItem>
+</file>
+
+<file path=customXml/itemProps3.xml><?xml version="1.0" encoding="utf-8"?>
+<ds:datastoreItem xmlns:ds="http://schemas.openxmlformats.org/officeDocument/2006/customXml" ds:itemID="{3C8E00D1-8EA3-4E42-801D-0253E1EAFC21}">
+  <ds:schemaRefs>
+    <ds:schemaRef ds:uri="http://schemas.microsoft.com/sharepoint/v3/contenttype/forms"/>
+  </ds:schemaRefs>
+</ds:datastoreItem>
 </file>
--- a/Örnekler-2.pptx
+++ b/Örnekler-2.pptx
@@ -5,10 +5,10 @@
     <p:sldMasterId id="2147483696" r:id="rId4"/>
   </p:sldMasterIdLst>
   <p:notesMasterIdLst>
-    <p:notesMasterId r:id="rId19"/>
+    <p:notesMasterId r:id="rId18"/>
   </p:notesMasterIdLst>
   <p:handoutMasterIdLst>
-    <p:handoutMasterId r:id="rId20"/>
+    <p:handoutMasterId r:id="rId19"/>
   </p:handoutMasterIdLst>
   <p:sldIdLst>
     <p:sldId id="306" r:id="rId5"/>
@@ -22,9 +22,8 @@
     <p:sldId id="453" r:id="rId13"/>
     <p:sldId id="454" r:id="rId14"/>
     <p:sldId id="455" r:id="rId15"/>
-    <p:sldId id="456" r:id="rId16"/>
-    <p:sldId id="457" r:id="rId17"/>
-    <p:sldId id="458" r:id="rId18"/>
+    <p:sldId id="457" r:id="rId16"/>
+    <p:sldId id="458" r:id="rId17"/>
   </p:sldIdLst>
   <p:sldSz cx="12192000" cy="6858000"/>
   <p:notesSz cx="6858000" cy="9144000"/>
@@ -250,7 +249,7 @@
           <a:p>
             <a:fld id="{AF536ADF-3EC2-4D6F-9F7F-1F88E3288139}" type="datetime1">
               <a:rPr lang="tr-TR" smtClean="0"/>
-              <a:t>26.12.2023</a:t>
+              <a:t>2.01.2024</a:t>
             </a:fld>
             <a:endParaRPr lang="tr-TR"/>
           </a:p>
@@ -430,7 +429,7 @@
             <a:pPr rtl="0"/>
             <a:fld id="{BA214D3A-912A-4866-90B4-0232CEDB2416}" type="datetime1">
               <a:rPr lang="tr-TR" noProof="0" smtClean="0"/>
-              <a:t>26.12.2023</a:t>
+              <a:t>2.01.2024</a:t>
             </a:fld>
             <a:endParaRPr lang="tr-TR" noProof="0"/>
           </a:p>
@@ -11699,7 +11698,6 @@
               <a:rPr lang="tr-TR" sz="2400" b="1" dirty="0" smtClean="0"/>
               <a:t>Örnek</a:t>
             </a:r>
-            <a:endParaRPr lang="tr-TR" sz="2400" b="1" dirty="0" smtClean="0"/>
           </a:p>
           <a:p>
             <a:pPr marL="0" indent="0" algn="ctr">
@@ -11904,11 +11902,7 @@
             </a:r>
             <a:r>
               <a:rPr lang="tr-TR" sz="2800" dirty="0" smtClean="0"/>
-              <a:t> </a:t>
-            </a:r>
-            <a:r>
-              <a:rPr lang="tr-TR" sz="2800" dirty="0" smtClean="0"/>
-              <a:t>Örnek-&gt;</a:t>
+              <a:t> Örnek-&gt;</a:t>
             </a:r>
             <a:r>
               <a:rPr lang="tr-TR" sz="2000" dirty="0" smtClean="0">
@@ -12052,11 +12046,7 @@
             </a:r>
             <a:r>
               <a:rPr lang="tr-TR" sz="2000" dirty="0"/>
-              <a:t>Üçgen üyelik fonksiyonu </a:t>
-            </a:r>
-            <a:r>
-              <a:rPr lang="tr-TR" sz="2000" dirty="0"/>
-              <a:t>:</a:t>
+              <a:t>Üçgen üyelik fonksiyonu :</a:t>
             </a:r>
             <a:r>
               <a:rPr lang="tr-TR" sz="2000" dirty="0" smtClean="0"/>
@@ -12358,11 +12348,7 @@
             </a:r>
             <a:r>
               <a:rPr lang="tr-TR" sz="2800" dirty="0" smtClean="0"/>
-              <a:t> </a:t>
-            </a:r>
-            <a:r>
-              <a:rPr lang="tr-TR" sz="2800" dirty="0" smtClean="0"/>
-              <a:t>Örnek</a:t>
+              <a:t> Örnek</a:t>
             </a:r>
             <a:endParaRPr lang="tr-TR" sz="2000" dirty="0">
               <a:solidFill>
@@ -12435,7 +12421,7 @@
         </p:spPr>
         <p:txBody>
           <a:bodyPr>
-            <a:normAutofit/>
+            <a:normAutofit lnSpcReduction="10000"/>
           </a:bodyPr>
           <a:lstStyle/>
           <a:p>
@@ -12628,21 +12614,41 @@
             </a:r>
             <a:r>
               <a:rPr lang="tr-TR" sz="2200" dirty="0"/>
-              <a:t>Sistemi </a:t>
-            </a:r>
-            <a:endParaRPr lang="tr-TR" sz="2200" dirty="0" smtClean="0"/>
-          </a:p>
-          <a:p>
-            <a:pPr marL="0" indent="0">
-              <a:buNone/>
-            </a:pPr>
+              <a:t>Sistemi Gücü </a:t>
+            </a:r>
+            <a:r>
+              <a:rPr lang="tr-TR" sz="2200" dirty="0" smtClean="0"/>
+              <a:t>Tüm Kümeleri İçin:</a:t>
+            </a:r>
+          </a:p>
+          <a:p>
             <a:r>
               <a:rPr lang="tr-TR" sz="2200" dirty="0" smtClean="0">
                 <a:solidFill>
                   <a:srgbClr val="0070C0"/>
                 </a:solidFill>
               </a:rPr>
-              <a:t>Yüksek </a:t>
+              <a:t>Düşük: 10</a:t>
+            </a:r>
+          </a:p>
+          <a:p>
+            <a:r>
+              <a:rPr lang="tr-TR" sz="2200" dirty="0" smtClean="0">
+                <a:solidFill>
+                  <a:srgbClr val="0070C0"/>
+                </a:solidFill>
+              </a:rPr>
+              <a:t>Orta: 30</a:t>
+            </a:r>
+          </a:p>
+          <a:p>
+            <a:r>
+              <a:rPr lang="tr-TR" sz="2200" dirty="0" smtClean="0">
+                <a:solidFill>
+                  <a:srgbClr val="0070C0"/>
+                </a:solidFill>
+              </a:rPr>
+              <a:t>Yüksek: 0.8 </a:t>
             </a:r>
             <a:r>
               <a:rPr lang="tr-TR" sz="2200" dirty="0">
@@ -12650,7 +12656,7 @@
                   <a:srgbClr val="0070C0"/>
                 </a:solidFill>
               </a:rPr>
-              <a:t>= 0.8 * </a:t>
+              <a:t>* </a:t>
             </a:r>
             <a:r>
               <a:rPr lang="tr-TR" sz="2200" dirty="0" err="1">
@@ -12766,11 +12772,7 @@
             </a:r>
             <a:r>
               <a:rPr lang="tr-TR" sz="2800" dirty="0" smtClean="0"/>
-              <a:t> </a:t>
-            </a:r>
-            <a:r>
-              <a:rPr lang="tr-TR" sz="2800" dirty="0" smtClean="0"/>
-              <a:t>Örnek</a:t>
+              <a:t> Örnek</a:t>
             </a:r>
             <a:endParaRPr lang="tr-TR" sz="2000" dirty="0">
               <a:solidFill>
@@ -12785,7 +12787,7 @@
     </p:spTree>
     <p:extLst>
       <p:ext uri="{BB962C8B-B14F-4D97-AF65-F5344CB8AC3E}">
-        <p14:creationId xmlns:p14="http://schemas.microsoft.com/office/powerpoint/2010/main" val="1803832270"/>
+        <p14:creationId xmlns:p14="http://schemas.microsoft.com/office/powerpoint/2010/main" val="3870633445"/>
       </p:ext>
     </p:extLst>
   </p:cSld>
@@ -12843,7 +12845,7 @@
         </p:spPr>
         <p:txBody>
           <a:bodyPr>
-            <a:normAutofit lnSpcReduction="10000"/>
+            <a:normAutofit/>
           </a:bodyPr>
           <a:lstStyle/>
           <a:p>
@@ -12857,17 +12859,13 @@
               <a:buNone/>
             </a:pPr>
             <a:r>
-              <a:rPr lang="tr-TR" sz="2000" b="1" dirty="0"/>
-              <a:t>Bulanık </a:t>
-            </a:r>
-            <a:r>
               <a:rPr lang="tr-TR" sz="2000" b="1" dirty="0" smtClean="0"/>
-              <a:t>Kümeler</a:t>
+              <a:t>Soru</a:t>
             </a:r>
             <a:endParaRPr lang="tr-TR" sz="2000" dirty="0"/>
           </a:p>
           <a:p>
-            <a:pPr marL="0" indent="0" algn="ctr">
+            <a:pPr marL="0" indent="0" algn="just">
               <a:lnSpc>
                 <a:spcPct val="150000"/>
               </a:lnSpc>
@@ -12877,252 +12875,89 @@
               <a:buNone/>
             </a:pPr>
             <a:r>
-              <a:rPr lang="tr-TR" sz="2000" b="1" u="sng" dirty="0" smtClean="0">
-                <a:solidFill>
-                  <a:srgbClr val="0070C0"/>
-                </a:solidFill>
-              </a:rPr>
-              <a:t>Kurallar</a:t>
-            </a:r>
-            <a:endParaRPr lang="tr-TR" sz="2000" b="1" u="sng" dirty="0">
-              <a:solidFill>
-                <a:srgbClr val="0070C0"/>
-              </a:solidFill>
-            </a:endParaRPr>
-          </a:p>
-          <a:p>
-            <a:pPr>
+              <a:rPr lang="tr-TR" sz="2200" dirty="0"/>
+              <a:t>Eğer dış hava sıcaklığı </a:t>
+            </a:r>
+            <a:r>
+              <a:rPr lang="tr-TR" sz="2200" dirty="0" smtClean="0"/>
+              <a:t>40 </a:t>
+            </a:r>
+            <a:r>
+              <a:rPr lang="tr-TR" sz="2200" dirty="0"/>
+              <a:t>derece, iç mekan sıcaklığı ise </a:t>
+            </a:r>
+            <a:r>
+              <a:rPr lang="tr-TR" sz="2200" dirty="0" smtClean="0"/>
+              <a:t>35 </a:t>
+            </a:r>
+            <a:r>
+              <a:rPr lang="tr-TR" sz="2200" dirty="0"/>
+              <a:t>derece olarak ölçülüyorsa, ısıtma sistemi gücü ne kadar olmalıdır? </a:t>
+            </a:r>
+            <a:endParaRPr lang="tr-TR" sz="2200" dirty="0" smtClean="0"/>
+          </a:p>
+          <a:p>
+            <a:pPr marL="0" indent="0" algn="just">
               <a:lnSpc>
                 <a:spcPct val="150000"/>
               </a:lnSpc>
               <a:spcBef>
                 <a:spcPts val="0"/>
               </a:spcBef>
+              <a:buNone/>
             </a:pPr>
-            <a:r>
-              <a:rPr lang="tr-TR" sz="2000" dirty="0"/>
-              <a:t>Eğer dış hava sıcaklığı </a:t>
-            </a:r>
-            <a:r>
-              <a:rPr lang="tr-TR" sz="2000" dirty="0" smtClean="0"/>
-              <a:t>SOĞUK </a:t>
-            </a:r>
-            <a:r>
-              <a:rPr lang="tr-TR" sz="2000" dirty="0"/>
-              <a:t>VE iç mekan sıcaklığı </a:t>
-            </a:r>
-            <a:r>
-              <a:rPr lang="tr-TR" sz="2000" dirty="0" smtClean="0"/>
-              <a:t>SOĞUKSA, </a:t>
-            </a:r>
-            <a:r>
-              <a:rPr lang="tr-TR" sz="2000" dirty="0"/>
-              <a:t>o zaman ısıtma sistemi gücü </a:t>
-            </a:r>
-            <a:r>
-              <a:rPr lang="tr-TR" sz="2000" dirty="0" smtClean="0"/>
-              <a:t>Yüksek </a:t>
-            </a:r>
-            <a:r>
-              <a:rPr lang="tr-TR" sz="2000" dirty="0"/>
-              <a:t>olmalıdır.</a:t>
-            </a:r>
-          </a:p>
-          <a:p>
-            <a:pPr>
+            <a:endParaRPr lang="tr-TR" sz="2200" dirty="0"/>
+          </a:p>
+          <a:p>
+            <a:pPr marL="0" indent="0" algn="just">
               <a:lnSpc>
                 <a:spcPct val="150000"/>
               </a:lnSpc>
               <a:spcBef>
                 <a:spcPts val="0"/>
               </a:spcBef>
+              <a:buNone/>
             </a:pPr>
             <a:r>
-              <a:rPr lang="tr-TR" sz="2000" dirty="0"/>
-              <a:t>Eğer dış hava sıcaklığı </a:t>
-            </a:r>
-            <a:r>
-              <a:rPr lang="tr-TR" sz="2000" dirty="0" smtClean="0"/>
-              <a:t>ILIMAN </a:t>
-            </a:r>
-            <a:r>
-              <a:rPr lang="tr-TR" sz="2000" dirty="0"/>
-              <a:t>seviyede VE iç mekan sıcaklığı </a:t>
-            </a:r>
-            <a:r>
-              <a:rPr lang="tr-TR" sz="2000" dirty="0" smtClean="0"/>
-              <a:t>NORMAL </a:t>
-            </a:r>
-            <a:r>
-              <a:rPr lang="tr-TR" sz="2000" dirty="0"/>
-              <a:t>seviyede, o zaman ısıtma sistemi gücü </a:t>
-            </a:r>
-            <a:r>
-              <a:rPr lang="tr-TR" sz="2000" dirty="0" smtClean="0"/>
-              <a:t>Orta </a:t>
-            </a:r>
-            <a:r>
-              <a:rPr lang="tr-TR" sz="2000" dirty="0"/>
-              <a:t>seviyede olmalıdır.</a:t>
-            </a:r>
-          </a:p>
-          <a:p>
-            <a:pPr>
+              <a:rPr lang="tr-TR" sz="2200" dirty="0" err="1" smtClean="0"/>
+              <a:t>Python</a:t>
+            </a:r>
+            <a:r>
+              <a:rPr lang="tr-TR" sz="2200" dirty="0" smtClean="0"/>
+              <a:t> kodunu yazın?</a:t>
+            </a:r>
+          </a:p>
+          <a:p>
+            <a:pPr marL="0" indent="0" algn="just">
               <a:lnSpc>
                 <a:spcPct val="150000"/>
               </a:lnSpc>
               <a:spcBef>
                 <a:spcPts val="0"/>
               </a:spcBef>
-            </a:pPr>
-            <a:r>
-              <a:rPr lang="tr-TR" sz="2000" dirty="0"/>
-              <a:t>Eğer dış hava </a:t>
-            </a:r>
-            <a:r>
-              <a:rPr lang="tr-TR" sz="2000" dirty="0" smtClean="0"/>
-              <a:t>SICAK </a:t>
-            </a:r>
-            <a:r>
-              <a:rPr lang="tr-TR" sz="2000" dirty="0"/>
-              <a:t>yüksekse VE iç mekan sıcaklığı </a:t>
-            </a:r>
-            <a:r>
-              <a:rPr lang="tr-TR" sz="2000" dirty="0" smtClean="0"/>
-              <a:t>SICAKSA, </a:t>
-            </a:r>
-            <a:r>
-              <a:rPr lang="tr-TR" sz="2000" dirty="0"/>
-              <a:t>o zaman ısıtma sistemi gücü </a:t>
-            </a:r>
-            <a:r>
-              <a:rPr lang="tr-TR" sz="2000" dirty="0" smtClean="0"/>
-              <a:t>DÜŞÜK </a:t>
-            </a:r>
-            <a:r>
-              <a:rPr lang="tr-TR" sz="2000" dirty="0"/>
-              <a:t>olmalıdır</a:t>
-            </a:r>
-            <a:r>
-              <a:rPr lang="tr-TR" sz="2000" dirty="0" smtClean="0"/>
-              <a:t>.</a:t>
-            </a:r>
-          </a:p>
-          <a:p>
-            <a:pPr marL="0" indent="0" algn="ctr">
               <a:buNone/>
             </a:pPr>
             <a:r>
-              <a:rPr lang="tr-TR" sz="2200" b="1" u="sng" dirty="0" smtClean="0">
-                <a:solidFill>
-                  <a:srgbClr val="0070C0"/>
-                </a:solidFill>
-              </a:rPr>
-              <a:t>Çıkış Değerleri </a:t>
-            </a:r>
-            <a:endParaRPr lang="tr-TR" sz="2200" b="1" u="sng" dirty="0">
-              <a:solidFill>
-                <a:srgbClr val="0070C0"/>
-              </a:solidFill>
-            </a:endParaRPr>
-          </a:p>
-          <a:p>
-            <a:pPr marL="0" indent="0">
-              <a:buNone/>
-            </a:pPr>
-            <a:r>
               <a:rPr lang="tr-TR" sz="2200" dirty="0" smtClean="0"/>
-              <a:t>Isıtma </a:t>
-            </a:r>
-            <a:r>
-              <a:rPr lang="tr-TR" sz="2200" dirty="0"/>
-              <a:t>Sistemi Gücü </a:t>
+              <a:t>Ayrıca </a:t>
+            </a:r>
+            <a:r>
+              <a:rPr lang="tr-TR" sz="2200" dirty="0" err="1" smtClean="0"/>
+              <a:t>manual</a:t>
             </a:r>
             <a:r>
               <a:rPr lang="tr-TR" sz="2200" dirty="0" smtClean="0"/>
-              <a:t>Tüm Kümeleri İçin:</a:t>
-            </a:r>
-          </a:p>
-          <a:p>
-            <a:r>
-              <a:rPr lang="tr-TR" sz="2200" dirty="0" smtClean="0">
-                <a:solidFill>
-                  <a:srgbClr val="0070C0"/>
-                </a:solidFill>
-              </a:rPr>
-              <a:t>Düşük: 10</a:t>
-            </a:r>
-          </a:p>
-          <a:p>
-            <a:r>
-              <a:rPr lang="tr-TR" sz="2200" dirty="0" smtClean="0">
-                <a:solidFill>
-                  <a:srgbClr val="0070C0"/>
-                </a:solidFill>
-              </a:rPr>
-              <a:t>Orta: 30</a:t>
-            </a:r>
-          </a:p>
-          <a:p>
-            <a:r>
-              <a:rPr lang="tr-TR" sz="2200" dirty="0" smtClean="0">
-                <a:solidFill>
-                  <a:srgbClr val="0070C0"/>
-                </a:solidFill>
-              </a:rPr>
-              <a:t>Yüksek: 0.8 </a:t>
-            </a:r>
-            <a:r>
-              <a:rPr lang="tr-TR" sz="2200" dirty="0">
-                <a:solidFill>
-                  <a:srgbClr val="0070C0"/>
-                </a:solidFill>
-              </a:rPr>
-              <a:t>* </a:t>
-            </a:r>
-            <a:r>
-              <a:rPr lang="tr-TR" sz="2200" dirty="0" err="1">
-                <a:solidFill>
-                  <a:srgbClr val="0070C0"/>
-                </a:solidFill>
-              </a:rPr>
-              <a:t>Outside_Temperature</a:t>
-            </a:r>
-            <a:r>
-              <a:rPr lang="tr-TR" sz="2200" dirty="0">
-                <a:solidFill>
-                  <a:srgbClr val="0070C0"/>
-                </a:solidFill>
-              </a:rPr>
-              <a:t> - 0.5 * </a:t>
-            </a:r>
-            <a:r>
-              <a:rPr lang="tr-TR" sz="2200" dirty="0" err="1">
-                <a:solidFill>
-                  <a:srgbClr val="0070C0"/>
-                </a:solidFill>
-              </a:rPr>
-              <a:t>Inside_Temperature</a:t>
-            </a:r>
-            <a:r>
-              <a:rPr lang="tr-TR" sz="2200" dirty="0">
-                <a:solidFill>
-                  <a:srgbClr val="0070C0"/>
-                </a:solidFill>
-              </a:rPr>
-              <a:t> + 20</a:t>
-            </a:r>
-          </a:p>
-          <a:p>
-            <a:pPr>
-              <a:lnSpc>
-                <a:spcPct val="150000"/>
-              </a:lnSpc>
-              <a:spcBef>
-                <a:spcPts val="0"/>
-              </a:spcBef>
-            </a:pPr>
-            <a:endParaRPr lang="tr-TR" sz="2000" dirty="0"/>
+              <a:t> olarak hesaplayıp </a:t>
+            </a:r>
+            <a:r>
+              <a:rPr lang="tr-TR" sz="2200" smtClean="0"/>
+              <a:t>Python</a:t>
+            </a:r>
+            <a:r>
+              <a:rPr lang="tr-TR" sz="2200" dirty="0" smtClean="0"/>
+              <a:t> programının verdiği sonuçla karşılaştırın?</a:t>
+            </a:r>
+            <a:endParaRPr lang="tr-TR" sz="2200" dirty="0"/>
           </a:p>
         </p:txBody>
       </p:sp>
@@ -13194,272 +13029,7 @@
             </a:r>
             <a:r>
               <a:rPr lang="tr-TR" sz="2800" dirty="0" smtClean="0"/>
-              <a:t> </a:t>
-            </a:r>
-            <a:r>
-              <a:rPr lang="tr-TR" sz="2800" dirty="0" smtClean="0"/>
-              <a:t>Örnek</a:t>
-            </a:r>
-            <a:endParaRPr lang="tr-TR" sz="2000" dirty="0">
-              <a:solidFill>
-                <a:schemeClr val="accent2">
-                  <a:lumMod val="75000"/>
-                </a:schemeClr>
-              </a:solidFill>
-            </a:endParaRPr>
-          </a:p>
-        </p:txBody>
-      </p:sp>
-    </p:spTree>
-    <p:extLst>
-      <p:ext uri="{BB962C8B-B14F-4D97-AF65-F5344CB8AC3E}">
-        <p14:creationId xmlns:p14="http://schemas.microsoft.com/office/powerpoint/2010/main" val="3870633445"/>
-      </p:ext>
-    </p:extLst>
-  </p:cSld>
-  <p:clrMapOvr>
-    <a:masterClrMapping/>
-  </p:clrMapOvr>
-  <p:timing>
-    <p:tnLst>
-      <p:par>
-        <p:cTn id="1" dur="indefinite" restart="never" nodeType="tmRoot"/>
-      </p:par>
-    </p:tnLst>
-  </p:timing>
-</p:sld>
-</file>
-
-<file path=ppt/slides/slide14.xml><?xml version="1.0" encoding="utf-8"?>
-<p:sld xmlns:a="http://schemas.openxmlformats.org/drawingml/2006/main" xmlns:r="http://schemas.openxmlformats.org/officeDocument/2006/relationships" xmlns:p="http://schemas.openxmlformats.org/presentationml/2006/main">
-  <p:cSld>
-    <p:spTree>
-      <p:nvGrpSpPr>
-        <p:cNvPr id="1" name=""/>
-        <p:cNvGrpSpPr/>
-        <p:nvPr/>
-      </p:nvGrpSpPr>
-      <p:grpSpPr>
-        <a:xfrm>
-          <a:off x="0" y="0"/>
-          <a:ext cx="0" cy="0"/>
-          <a:chOff x="0" y="0"/>
-          <a:chExt cx="0" cy="0"/>
-        </a:xfrm>
-      </p:grpSpPr>
-      <p:sp>
-        <p:nvSpPr>
-          <p:cNvPr id="3" name="İçerik Yer Tutucusu 2">
-            <a:extLst>
-              <a:ext uri="{FF2B5EF4-FFF2-40B4-BE49-F238E27FC236}">
-                <a16:creationId xmlns:a16="http://schemas.microsoft.com/office/drawing/2014/main" id="{166FF8F5-D0CB-68CC-5F86-1E602CE7B0A0}"/>
-              </a:ext>
-            </a:extLst>
-          </p:cNvPr>
-          <p:cNvSpPr>
-            <a:spLocks noGrp="1"/>
-          </p:cNvSpPr>
-          <p:nvPr>
-            <p:ph idx="1"/>
-          </p:nvPr>
-        </p:nvSpPr>
-        <p:spPr>
-          <a:xfrm>
-            <a:off x="838200" y="1046057"/>
-            <a:ext cx="10515600" cy="5675418"/>
-          </a:xfrm>
-        </p:spPr>
-        <p:txBody>
-          <a:bodyPr>
-            <a:normAutofit/>
-          </a:bodyPr>
-          <a:lstStyle/>
-          <a:p>
-            <a:pPr marL="0" indent="0" algn="ctr">
-              <a:lnSpc>
-                <a:spcPct val="150000"/>
-              </a:lnSpc>
-              <a:spcBef>
-                <a:spcPts val="0"/>
-              </a:spcBef>
-              <a:buNone/>
-            </a:pPr>
-            <a:r>
-              <a:rPr lang="tr-TR" sz="2000" b="1" dirty="0" smtClean="0"/>
-              <a:t>Soru</a:t>
-            </a:r>
-            <a:endParaRPr lang="tr-TR" sz="2000" dirty="0"/>
-          </a:p>
-          <a:p>
-            <a:pPr marL="0" indent="0" algn="just">
-              <a:lnSpc>
-                <a:spcPct val="150000"/>
-              </a:lnSpc>
-              <a:spcBef>
-                <a:spcPts val="0"/>
-              </a:spcBef>
-              <a:buNone/>
-            </a:pPr>
-            <a:r>
-              <a:rPr lang="tr-TR" sz="2200" dirty="0"/>
-              <a:t>Eğer dış hava sıcaklığı </a:t>
-            </a:r>
-            <a:r>
-              <a:rPr lang="tr-TR" sz="2200" dirty="0" smtClean="0"/>
-              <a:t>40 </a:t>
-            </a:r>
-            <a:r>
-              <a:rPr lang="tr-TR" sz="2200" dirty="0"/>
-              <a:t>derece, iç mekan sıcaklığı ise </a:t>
-            </a:r>
-            <a:r>
-              <a:rPr lang="tr-TR" sz="2200" dirty="0" smtClean="0"/>
-              <a:t>35 </a:t>
-            </a:r>
-            <a:r>
-              <a:rPr lang="tr-TR" sz="2200" dirty="0"/>
-              <a:t>derece olarak ölçülüyorsa, ısıtma sistemi gücü ne kadar olmalıdır? </a:t>
-            </a:r>
-            <a:endParaRPr lang="tr-TR" sz="2200" dirty="0" smtClean="0"/>
-          </a:p>
-          <a:p>
-            <a:pPr marL="0" indent="0" algn="just">
-              <a:lnSpc>
-                <a:spcPct val="150000"/>
-              </a:lnSpc>
-              <a:spcBef>
-                <a:spcPts val="0"/>
-              </a:spcBef>
-              <a:buNone/>
-            </a:pPr>
-            <a:endParaRPr lang="tr-TR" sz="2200" dirty="0"/>
-          </a:p>
-          <a:p>
-            <a:pPr marL="0" indent="0" algn="just">
-              <a:lnSpc>
-                <a:spcPct val="150000"/>
-              </a:lnSpc>
-              <a:spcBef>
-                <a:spcPts val="0"/>
-              </a:spcBef>
-              <a:buNone/>
-            </a:pPr>
-            <a:r>
-              <a:rPr lang="tr-TR" sz="2200" dirty="0" err="1" smtClean="0"/>
-              <a:t>Python</a:t>
-            </a:r>
-            <a:r>
-              <a:rPr lang="tr-TR" sz="2200" dirty="0" smtClean="0"/>
-              <a:t> kodunu yazın?</a:t>
-            </a:r>
-          </a:p>
-          <a:p>
-            <a:pPr marL="0" indent="0" algn="just">
-              <a:lnSpc>
-                <a:spcPct val="150000"/>
-              </a:lnSpc>
-              <a:spcBef>
-                <a:spcPts val="0"/>
-              </a:spcBef>
-              <a:buNone/>
-            </a:pPr>
-            <a:r>
-              <a:rPr lang="tr-TR" sz="2200" dirty="0" smtClean="0"/>
-              <a:t>Ayrıca </a:t>
-            </a:r>
-            <a:r>
-              <a:rPr lang="tr-TR" sz="2200" dirty="0" err="1" smtClean="0"/>
-              <a:t>manual</a:t>
-            </a:r>
-            <a:r>
-              <a:rPr lang="tr-TR" sz="2200" dirty="0" smtClean="0"/>
-              <a:t> olarak hesaplayıp </a:t>
-            </a:r>
-            <a:r>
-              <a:rPr lang="tr-TR" sz="2200" smtClean="0"/>
-              <a:t>Python</a:t>
-            </a:r>
-            <a:r>
-              <a:rPr lang="tr-TR" sz="2200" dirty="0" smtClean="0"/>
-              <a:t> programının verdiği sonuçla karşılaştırın?</a:t>
-            </a:r>
-            <a:endParaRPr lang="tr-TR" sz="2200" dirty="0"/>
-          </a:p>
-        </p:txBody>
-      </p:sp>
-      <p:sp>
-        <p:nvSpPr>
-          <p:cNvPr id="4" name="Slayt Numarası Yer Tutucusu 3">
-            <a:extLst>
-              <a:ext uri="{FF2B5EF4-FFF2-40B4-BE49-F238E27FC236}">
-                <a16:creationId xmlns:a16="http://schemas.microsoft.com/office/drawing/2014/main" id="{E35EC097-B662-DB9B-F23B-5BFB7F9441CB}"/>
-              </a:ext>
-            </a:extLst>
-          </p:cNvPr>
-          <p:cNvSpPr>
-            <a:spLocks noGrp="1"/>
-          </p:cNvSpPr>
-          <p:nvPr>
-            <p:ph type="sldNum" sz="quarter" idx="12"/>
-          </p:nvPr>
-        </p:nvSpPr>
-        <p:spPr/>
-        <p:txBody>
-          <a:bodyPr/>
-          <a:lstStyle/>
-          <a:p>
-            <a:pPr rtl="0"/>
-            <a:fld id="{D8DA9DAA-006C-4F4B-980E-E3DF019B24E2}" type="slidenum">
-              <a:rPr lang="tr-TR" noProof="0" smtClean="0"/>
-              <a:t>14</a:t>
-            </a:fld>
-            <a:endParaRPr lang="tr-TR" noProof="0" dirty="0"/>
-          </a:p>
-        </p:txBody>
-      </p:sp>
-      <p:sp>
-        <p:nvSpPr>
-          <p:cNvPr id="6" name="Başlık 3">
-            <a:extLst>
-              <a:ext uri="{FF2B5EF4-FFF2-40B4-BE49-F238E27FC236}">
-                <a16:creationId xmlns:a16="http://schemas.microsoft.com/office/drawing/2014/main" id="{DD422265-2268-31AF-C9C2-EEA17AAF77FB}"/>
-              </a:ext>
-            </a:extLst>
-          </p:cNvPr>
-          <p:cNvSpPr>
-            <a:spLocks noGrp="1"/>
-          </p:cNvSpPr>
-          <p:nvPr>
-            <p:ph type="title"/>
-          </p:nvPr>
-        </p:nvSpPr>
-        <p:spPr>
-          <a:xfrm>
-            <a:off x="838199" y="435236"/>
-            <a:ext cx="10882745" cy="610821"/>
-          </a:xfrm>
-        </p:spPr>
-        <p:txBody>
-          <a:bodyPr rtlCol="0">
-            <a:noAutofit/>
-          </a:bodyPr>
-          <a:lstStyle/>
-          <a:p>
-            <a:r>
-              <a:rPr lang="tr-TR" sz="2800" dirty="0" smtClean="0"/>
-              <a:t>SIMPFUL KÜTÜPHANESİ-</a:t>
-            </a:r>
-            <a:r>
-              <a:rPr lang="tr-TR" sz="2800" dirty="0" err="1" smtClean="0"/>
-              <a:t>Sugeno</a:t>
-            </a:r>
-            <a:r>
-              <a:rPr lang="tr-TR" sz="2800" dirty="0" smtClean="0"/>
-              <a:t> </a:t>
-            </a:r>
-            <a:r>
-              <a:rPr lang="tr-TR" sz="2800" dirty="0" smtClean="0"/>
-              <a:t>Örnek</a:t>
+              <a:t> Örnek</a:t>
             </a:r>
             <a:endParaRPr lang="tr-TR" sz="2000" dirty="0">
               <a:solidFill>
@@ -15565,11 +15135,7 @@
             </a:r>
             <a:r>
               <a:rPr lang="tr-TR" sz="1600" dirty="0" smtClean="0"/>
-              <a:t> </a:t>
-            </a:r>
-            <a:r>
-              <a:rPr lang="tr-TR" sz="1600" dirty="0" smtClean="0"/>
-              <a:t>		#m(0.51)=1.0</a:t>
+              <a:t> 		#m(0.51)=1.0</a:t>
             </a:r>
             <a:endParaRPr lang="en-US" sz="1600" dirty="0"/>
           </a:p>
@@ -15625,7 +15191,15 @@
             </a:r>
             <a:r>
               <a:rPr lang="tr-TR" sz="1600" dirty="0" smtClean="0"/>
-              <a:t> 		#m(0.51)=0</a:t>
+              <a:t> 	</a:t>
+            </a:r>
+            <a:r>
+              <a:rPr lang="tr-TR" sz="1600" dirty="0" smtClean="0"/>
+              <a:t>#</a:t>
+            </a:r>
+            <a:r>
+              <a:rPr lang="tr-TR" sz="1600" dirty="0" smtClean="0"/>
+              <a:t>m(0.51)=0</a:t>
             </a:r>
           </a:p>
           <a:p>
@@ -16954,21 +16528,21 @@
 </file>
 
 <file path=customXml/item2.xml><?xml version="1.0" encoding="utf-8"?>
+<?mso-contentType ?>
+<FormTemplates xmlns="http://schemas.microsoft.com/sharepoint/v3/contenttype/forms">
+  <Display>DocumentLibraryForm</Display>
+  <Edit>DocumentLibraryForm</Edit>
+  <New>DocumentLibraryForm</New>
+</FormTemplates>
+</file>
+
+<file path=customXml/item3.xml><?xml version="1.0" encoding="utf-8"?>
 <p:properties xmlns:p="http://schemas.microsoft.com/office/2006/metadata/properties" xmlns:xsi="http://www.w3.org/2001/XMLSchema-instance" xmlns:pc="http://schemas.microsoft.com/office/infopath/2007/PartnerControls">
   <documentManagement>
     <Status xmlns="71af3243-3dd4-4a8d-8c0d-dd76da1f02a5">Not started</Status>
     <MediaServiceKeyPoints xmlns="71af3243-3dd4-4a8d-8c0d-dd76da1f02a5" xsi:nil="true"/>
   </documentManagement>
 </p:properties>
-</file>
-
-<file path=customXml/item3.xml><?xml version="1.0" encoding="utf-8"?>
-<?mso-contentType ?>
-<FormTemplates xmlns="http://schemas.microsoft.com/sharepoint/v3/contenttype/forms">
-  <Display>DocumentLibraryForm</Display>
-  <Edit>DocumentLibraryForm</Edit>
-  <New>DocumentLibraryForm</New>
-</FormTemplates>
 </file>
 
 <file path=customXml/itemProps1.xml><?xml version="1.0" encoding="utf-8"?>
@@ -16991,6 +16565,14 @@
 </file>
 
 <file path=customXml/itemProps2.xml><?xml version="1.0" encoding="utf-8"?>
+<ds:datastoreItem xmlns:ds="http://schemas.openxmlformats.org/officeDocument/2006/customXml" ds:itemID="{3C8E00D1-8EA3-4E42-801D-0253E1EAFC21}">
+  <ds:schemaRefs>
+    <ds:schemaRef ds:uri="http://schemas.microsoft.com/sharepoint/v3/contenttype/forms"/>
+  </ds:schemaRefs>
+</ds:datastoreItem>
+</file>
+
+<file path=customXml/itemProps3.xml><?xml version="1.0" encoding="utf-8"?>
 <ds:datastoreItem xmlns:ds="http://schemas.openxmlformats.org/officeDocument/2006/customXml" ds:itemID="{99919F73-B6C2-4A43-95E2-833EC48925FE}">
   <ds:schemaRefs>
     <ds:schemaRef ds:uri="http://schemas.microsoft.com/office/2006/metadata/properties"/>
@@ -16998,12 +16580,4 @@
     <ds:schemaRef ds:uri="71af3243-3dd4-4a8d-8c0d-dd76da1f02a5"/>
   </ds:schemaRefs>
 </ds:datastoreItem>
-</file>
-
-<file path=customXml/itemProps3.xml><?xml version="1.0" encoding="utf-8"?>
-<ds:datastoreItem xmlns:ds="http://schemas.openxmlformats.org/officeDocument/2006/customXml" ds:itemID="{3C8E00D1-8EA3-4E42-801D-0253E1EAFC21}">
-  <ds:schemaRefs>
-    <ds:schemaRef ds:uri="http://schemas.microsoft.com/sharepoint/v3/contenttype/forms"/>
-  </ds:schemaRefs>
-</ds:datastoreItem>
 </file>